--- a/Introduction to - Big Data and Hadoop (HDP).pptx
+++ b/Introduction to - Big Data and Hadoop (HDP).pptx
@@ -5,7 +5,7 @@
     <p:sldMasterId id="2147483648" r:id="rId1"/>
   </p:sldMasterIdLst>
   <p:notesMasterIdLst>
-    <p:notesMasterId r:id="rId35"/>
+    <p:notesMasterId r:id="rId40"/>
   </p:notesMasterIdLst>
   <p:sldIdLst>
     <p:sldId id="256" r:id="rId2"/>
@@ -24,23 +24,28 @@
     <p:sldId id="329" r:id="rId15"/>
     <p:sldId id="324" r:id="rId16"/>
     <p:sldId id="326" r:id="rId17"/>
-    <p:sldId id="309" r:id="rId18"/>
-    <p:sldId id="310" r:id="rId19"/>
-    <p:sldId id="311" r:id="rId20"/>
-    <p:sldId id="313" r:id="rId21"/>
-    <p:sldId id="314" r:id="rId22"/>
-    <p:sldId id="292" r:id="rId23"/>
-    <p:sldId id="302" r:id="rId24"/>
-    <p:sldId id="303" r:id="rId25"/>
-    <p:sldId id="294" r:id="rId26"/>
-    <p:sldId id="293" r:id="rId27"/>
-    <p:sldId id="295" r:id="rId28"/>
-    <p:sldId id="296" r:id="rId29"/>
-    <p:sldId id="297" r:id="rId30"/>
-    <p:sldId id="298" r:id="rId31"/>
-    <p:sldId id="299" r:id="rId32"/>
-    <p:sldId id="300" r:id="rId33"/>
-    <p:sldId id="301" r:id="rId34"/>
+    <p:sldId id="330" r:id="rId18"/>
+    <p:sldId id="331" r:id="rId19"/>
+    <p:sldId id="332" r:id="rId20"/>
+    <p:sldId id="333" r:id="rId21"/>
+    <p:sldId id="334" r:id="rId22"/>
+    <p:sldId id="309" r:id="rId23"/>
+    <p:sldId id="310" r:id="rId24"/>
+    <p:sldId id="311" r:id="rId25"/>
+    <p:sldId id="313" r:id="rId26"/>
+    <p:sldId id="314" r:id="rId27"/>
+    <p:sldId id="292" r:id="rId28"/>
+    <p:sldId id="302" r:id="rId29"/>
+    <p:sldId id="303" r:id="rId30"/>
+    <p:sldId id="294" r:id="rId31"/>
+    <p:sldId id="293" r:id="rId32"/>
+    <p:sldId id="295" r:id="rId33"/>
+    <p:sldId id="296" r:id="rId34"/>
+    <p:sldId id="297" r:id="rId35"/>
+    <p:sldId id="298" r:id="rId36"/>
+    <p:sldId id="299" r:id="rId37"/>
+    <p:sldId id="300" r:id="rId38"/>
+    <p:sldId id="301" r:id="rId39"/>
   </p:sldIdLst>
   <p:sldSz cx="9144000" cy="6858000" type="screen4x3"/>
   <p:notesSz cx="6858000" cy="9144000"/>
@@ -3417,7 +3422,7 @@
             <a:fld id="{4566E6D3-423A-420B-9FDC-6BFC2004D06F}" type="datetimeFigureOut">
               <a:rPr lang="en-US" smtClean="0"/>
               <a:pPr/>
-              <a:t>2/13/2018</a:t>
+              <a:t>2/17/2018</a:t>
             </a:fld>
             <a:endParaRPr lang="en-US"/>
           </a:p>
@@ -4303,44 +4308,6 @@
           </a:bodyPr>
           <a:lstStyle/>
           <a:p>
-            <a:r>
-              <a:rPr lang="en-US" dirty="0" smtClean="0"/>
-              <a:t>Data is logically split and a </a:t>
-            </a:r>
-            <a:r>
-              <a:rPr lang="en-US" b="1" dirty="0" smtClean="0"/>
-              <a:t>MAP</a:t>
-            </a:r>
-            <a:r>
-              <a:rPr lang="en-US" dirty="0" smtClean="0"/>
-              <a:t> function produces key-value pair</a:t>
-            </a:r>
-            <a:r>
-              <a:rPr lang="en-US" baseline="0" dirty="0" smtClean="0"/>
-              <a:t> for each of the splits</a:t>
-            </a:r>
-          </a:p>
-          <a:p>
-            <a:r>
-              <a:rPr lang="en-US" b="1" baseline="0" dirty="0" smtClean="0"/>
-              <a:t>SHUFFLE</a:t>
-            </a:r>
-            <a:r>
-              <a:rPr lang="en-US" baseline="0" dirty="0" smtClean="0"/>
-              <a:t> function sorts key-value pairs and partitions them among Reducers</a:t>
-            </a:r>
-          </a:p>
-          <a:p>
-            <a:r>
-              <a:rPr lang="en-US" b="1" baseline="0" dirty="0" smtClean="0"/>
-              <a:t>REDUCE</a:t>
-            </a:r>
-            <a:r>
-              <a:rPr lang="en-US" baseline="0" dirty="0" smtClean="0"/>
-              <a:t> function is then applied to each of the partitions</a:t>
-            </a:r>
-          </a:p>
-          <a:p>
             <a:endParaRPr lang="en-US" dirty="0"/>
           </a:p>
         </p:txBody>
@@ -4423,44 +4390,6 @@
           </a:bodyPr>
           <a:lstStyle/>
           <a:p>
-            <a:r>
-              <a:rPr lang="en-US" dirty="0" smtClean="0"/>
-              <a:t>Data is logically split and a </a:t>
-            </a:r>
-            <a:r>
-              <a:rPr lang="en-US" b="1" dirty="0" smtClean="0"/>
-              <a:t>MAP</a:t>
-            </a:r>
-            <a:r>
-              <a:rPr lang="en-US" dirty="0" smtClean="0"/>
-              <a:t> function produces key-value pair</a:t>
-            </a:r>
-            <a:r>
-              <a:rPr lang="en-US" baseline="0" dirty="0" smtClean="0"/>
-              <a:t> for each of the splits</a:t>
-            </a:r>
-          </a:p>
-          <a:p>
-            <a:r>
-              <a:rPr lang="en-US" b="1" baseline="0" dirty="0" smtClean="0"/>
-              <a:t>SHUFFLE</a:t>
-            </a:r>
-            <a:r>
-              <a:rPr lang="en-US" baseline="0" dirty="0" smtClean="0"/>
-              <a:t> function sorts key-value pairs and partitions them among Reducers</a:t>
-            </a:r>
-          </a:p>
-          <a:p>
-            <a:r>
-              <a:rPr lang="en-US" b="1" baseline="0" dirty="0" smtClean="0"/>
-              <a:t>REDUCE</a:t>
-            </a:r>
-            <a:r>
-              <a:rPr lang="en-US" baseline="0" dirty="0" smtClean="0"/>
-              <a:t> function is then applied to each of the partitions</a:t>
-            </a:r>
-          </a:p>
-          <a:p>
             <a:endParaRPr lang="en-US" dirty="0"/>
           </a:p>
         </p:txBody>
@@ -4543,44 +4472,6 @@
           </a:bodyPr>
           <a:lstStyle/>
           <a:p>
-            <a:r>
-              <a:rPr lang="en-US" dirty="0" smtClean="0"/>
-              <a:t>Data is logically split and a </a:t>
-            </a:r>
-            <a:r>
-              <a:rPr lang="en-US" b="1" dirty="0" smtClean="0"/>
-              <a:t>MAP</a:t>
-            </a:r>
-            <a:r>
-              <a:rPr lang="en-US" dirty="0" smtClean="0"/>
-              <a:t> function produces key-value pair</a:t>
-            </a:r>
-            <a:r>
-              <a:rPr lang="en-US" baseline="0" dirty="0" smtClean="0"/>
-              <a:t> for each of the splits</a:t>
-            </a:r>
-          </a:p>
-          <a:p>
-            <a:r>
-              <a:rPr lang="en-US" b="1" baseline="0" dirty="0" smtClean="0"/>
-              <a:t>SHUFFLE</a:t>
-            </a:r>
-            <a:r>
-              <a:rPr lang="en-US" baseline="0" dirty="0" smtClean="0"/>
-              <a:t> function sorts key-value pairs and partitions them among Reducers</a:t>
-            </a:r>
-          </a:p>
-          <a:p>
-            <a:r>
-              <a:rPr lang="en-US" b="1" baseline="0" dirty="0" smtClean="0"/>
-              <a:t>REDUCE</a:t>
-            </a:r>
-            <a:r>
-              <a:rPr lang="en-US" baseline="0" dirty="0" smtClean="0"/>
-              <a:t> function is then applied to each of the partitions</a:t>
-            </a:r>
-          </a:p>
-          <a:p>
             <a:endParaRPr lang="en-US" dirty="0"/>
           </a:p>
         </p:txBody>
@@ -4911,8 +4802,42 @@
           <a:p>
             <a:r>
               <a:rPr lang="en-US" dirty="0" smtClean="0"/>
-              <a:t>Unit is like Void</a:t>
-            </a:r>
+              <a:t>Data is logically split and a </a:t>
+            </a:r>
+            <a:r>
+              <a:rPr lang="en-US" b="1" dirty="0" smtClean="0"/>
+              <a:t>MAP</a:t>
+            </a:r>
+            <a:r>
+              <a:rPr lang="en-US" dirty="0" smtClean="0"/>
+              <a:t> function produces key-value pair</a:t>
+            </a:r>
+            <a:r>
+              <a:rPr lang="en-US" baseline="0" dirty="0" smtClean="0"/>
+              <a:t> for each of the splits</a:t>
+            </a:r>
+          </a:p>
+          <a:p>
+            <a:r>
+              <a:rPr lang="en-US" b="1" baseline="0" dirty="0" smtClean="0"/>
+              <a:t>SHUFFLE</a:t>
+            </a:r>
+            <a:r>
+              <a:rPr lang="en-US" baseline="0" dirty="0" smtClean="0"/>
+              <a:t> function sorts key-value pairs and partitions them among Reducers</a:t>
+            </a:r>
+          </a:p>
+          <a:p>
+            <a:r>
+              <a:rPr lang="en-US" b="1" baseline="0" dirty="0" smtClean="0"/>
+              <a:t>REDUCE</a:t>
+            </a:r>
+            <a:r>
+              <a:rPr lang="en-US" baseline="0" dirty="0" smtClean="0"/>
+              <a:t> function is then applied to each of the partitions</a:t>
+            </a:r>
+          </a:p>
+          <a:p>
             <a:endParaRPr lang="en-US" dirty="0"/>
           </a:p>
         </p:txBody>
@@ -4997,8 +4922,42 @@
           <a:p>
             <a:r>
               <a:rPr lang="en-US" dirty="0" smtClean="0"/>
-              <a:t>Unit is like Void</a:t>
-            </a:r>
+              <a:t>Data is logically split and a </a:t>
+            </a:r>
+            <a:r>
+              <a:rPr lang="en-US" b="1" dirty="0" smtClean="0"/>
+              <a:t>MAP</a:t>
+            </a:r>
+            <a:r>
+              <a:rPr lang="en-US" dirty="0" smtClean="0"/>
+              <a:t> function produces key-value pair</a:t>
+            </a:r>
+            <a:r>
+              <a:rPr lang="en-US" baseline="0" dirty="0" smtClean="0"/>
+              <a:t> for each of the splits</a:t>
+            </a:r>
+          </a:p>
+          <a:p>
+            <a:r>
+              <a:rPr lang="en-US" b="1" baseline="0" dirty="0" smtClean="0"/>
+              <a:t>SHUFFLE</a:t>
+            </a:r>
+            <a:r>
+              <a:rPr lang="en-US" baseline="0" dirty="0" smtClean="0"/>
+              <a:t> function sorts key-value pairs and partitions them among Reducers</a:t>
+            </a:r>
+          </a:p>
+          <a:p>
+            <a:r>
+              <a:rPr lang="en-US" b="1" baseline="0" dirty="0" smtClean="0"/>
+              <a:t>REDUCE</a:t>
+            </a:r>
+            <a:r>
+              <a:rPr lang="en-US" baseline="0" dirty="0" smtClean="0"/>
+              <a:t> function is then applied to each of the partitions</a:t>
+            </a:r>
+          </a:p>
+          <a:p>
             <a:endParaRPr lang="en-US" dirty="0"/>
           </a:p>
         </p:txBody>
@@ -5083,8 +5042,42 @@
           <a:p>
             <a:r>
               <a:rPr lang="en-US" dirty="0" smtClean="0"/>
-              <a:t>Unit is like Void</a:t>
-            </a:r>
+              <a:t>Data is logically split and a </a:t>
+            </a:r>
+            <a:r>
+              <a:rPr lang="en-US" b="1" dirty="0" smtClean="0"/>
+              <a:t>MAP</a:t>
+            </a:r>
+            <a:r>
+              <a:rPr lang="en-US" dirty="0" smtClean="0"/>
+              <a:t> function produces key-value pair</a:t>
+            </a:r>
+            <a:r>
+              <a:rPr lang="en-US" baseline="0" dirty="0" smtClean="0"/>
+              <a:t> for each of the splits</a:t>
+            </a:r>
+          </a:p>
+          <a:p>
+            <a:r>
+              <a:rPr lang="en-US" b="1" baseline="0" dirty="0" smtClean="0"/>
+              <a:t>SHUFFLE</a:t>
+            </a:r>
+            <a:r>
+              <a:rPr lang="en-US" baseline="0" dirty="0" smtClean="0"/>
+              <a:t> function sorts key-value pairs and partitions them among Reducers</a:t>
+            </a:r>
+          </a:p>
+          <a:p>
+            <a:r>
+              <a:rPr lang="en-US" b="1" baseline="0" dirty="0" smtClean="0"/>
+              <a:t>REDUCE</a:t>
+            </a:r>
+            <a:r>
+              <a:rPr lang="en-US" baseline="0" dirty="0" smtClean="0"/>
+              <a:t> function is then applied to each of the partitions</a:t>
+            </a:r>
+          </a:p>
+          <a:p>
             <a:endParaRPr lang="en-US" dirty="0"/>
           </a:p>
         </p:txBody>
@@ -5167,10 +5160,6 @@
           </a:bodyPr>
           <a:lstStyle/>
           <a:p>
-            <a:r>
-              <a:rPr lang="en-US" dirty="0" smtClean="0"/>
-              <a:t>Unit is like Void</a:t>
-            </a:r>
             <a:endParaRPr lang="en-US" dirty="0"/>
           </a:p>
         </p:txBody>
@@ -5253,10 +5242,6 @@
           </a:bodyPr>
           <a:lstStyle/>
           <a:p>
-            <a:r>
-              <a:rPr lang="en-US" dirty="0" smtClean="0"/>
-              <a:t>Unit is like Void</a:t>
-            </a:r>
             <a:endParaRPr lang="en-US" dirty="0"/>
           </a:p>
         </p:txBody>
@@ -5964,6 +5949,436 @@
               <a:rPr lang="en-US" smtClean="0"/>
               <a:pPr/>
               <a:t>33</a:t>
+            </a:fld>
+            <a:endParaRPr lang="en-US"/>
+          </a:p>
+        </p:txBody>
+      </p:sp>
+    </p:spTree>
+  </p:cSld>
+  <p:clrMapOvr>
+    <a:masterClrMapping/>
+  </p:clrMapOvr>
+</p:notes>
+</file>
+
+<file path=ppt/notesSlides/notesSlide33.xml><?xml version="1.0" encoding="utf-8"?>
+<p:notes xmlns:a="http://schemas.openxmlformats.org/drawingml/2006/main" xmlns:r="http://schemas.openxmlformats.org/officeDocument/2006/relationships" xmlns:p="http://schemas.openxmlformats.org/presentationml/2006/main">
+  <p:cSld>
+    <p:spTree>
+      <p:nvGrpSpPr>
+        <p:cNvPr id="1" name=""/>
+        <p:cNvGrpSpPr/>
+        <p:nvPr/>
+      </p:nvGrpSpPr>
+      <p:grpSpPr>
+        <a:xfrm>
+          <a:off x="0" y="0"/>
+          <a:ext cx="0" cy="0"/>
+          <a:chOff x="0" y="0"/>
+          <a:chExt cx="0" cy="0"/>
+        </a:xfrm>
+      </p:grpSpPr>
+      <p:sp>
+        <p:nvSpPr>
+          <p:cNvPr id="2" name="Slide Image Placeholder 1"/>
+          <p:cNvSpPr>
+            <a:spLocks noGrp="1" noRot="1" noChangeAspect="1"/>
+          </p:cNvSpPr>
+          <p:nvPr>
+            <p:ph type="sldImg"/>
+          </p:nvPr>
+        </p:nvSpPr>
+        <p:spPr/>
+      </p:sp>
+      <p:sp>
+        <p:nvSpPr>
+          <p:cNvPr id="3" name="Notes Placeholder 2"/>
+          <p:cNvSpPr>
+            <a:spLocks noGrp="1"/>
+          </p:cNvSpPr>
+          <p:nvPr>
+            <p:ph type="body" idx="1"/>
+          </p:nvPr>
+        </p:nvSpPr>
+        <p:spPr/>
+        <p:txBody>
+          <a:bodyPr>
+            <a:normAutofit/>
+          </a:bodyPr>
+          <a:lstStyle/>
+          <a:p>
+            <a:r>
+              <a:rPr lang="en-US" dirty="0" smtClean="0"/>
+              <a:t>Unit is like Void</a:t>
+            </a:r>
+            <a:endParaRPr lang="en-US" dirty="0"/>
+          </a:p>
+        </p:txBody>
+      </p:sp>
+      <p:sp>
+        <p:nvSpPr>
+          <p:cNvPr id="4" name="Slide Number Placeholder 3"/>
+          <p:cNvSpPr>
+            <a:spLocks noGrp="1"/>
+          </p:cNvSpPr>
+          <p:nvPr>
+            <p:ph type="sldNum" sz="quarter" idx="10"/>
+          </p:nvPr>
+        </p:nvSpPr>
+        <p:spPr/>
+        <p:txBody>
+          <a:bodyPr/>
+          <a:lstStyle/>
+          <a:p>
+            <a:fld id="{581B2441-FA71-4978-B653-437909BAD410}" type="slidenum">
+              <a:rPr lang="en-US" smtClean="0"/>
+              <a:pPr/>
+              <a:t>34</a:t>
+            </a:fld>
+            <a:endParaRPr lang="en-US"/>
+          </a:p>
+        </p:txBody>
+      </p:sp>
+    </p:spTree>
+  </p:cSld>
+  <p:clrMapOvr>
+    <a:masterClrMapping/>
+  </p:clrMapOvr>
+</p:notes>
+</file>
+
+<file path=ppt/notesSlides/notesSlide34.xml><?xml version="1.0" encoding="utf-8"?>
+<p:notes xmlns:a="http://schemas.openxmlformats.org/drawingml/2006/main" xmlns:r="http://schemas.openxmlformats.org/officeDocument/2006/relationships" xmlns:p="http://schemas.openxmlformats.org/presentationml/2006/main">
+  <p:cSld>
+    <p:spTree>
+      <p:nvGrpSpPr>
+        <p:cNvPr id="1" name=""/>
+        <p:cNvGrpSpPr/>
+        <p:nvPr/>
+      </p:nvGrpSpPr>
+      <p:grpSpPr>
+        <a:xfrm>
+          <a:off x="0" y="0"/>
+          <a:ext cx="0" cy="0"/>
+          <a:chOff x="0" y="0"/>
+          <a:chExt cx="0" cy="0"/>
+        </a:xfrm>
+      </p:grpSpPr>
+      <p:sp>
+        <p:nvSpPr>
+          <p:cNvPr id="2" name="Slide Image Placeholder 1"/>
+          <p:cNvSpPr>
+            <a:spLocks noGrp="1" noRot="1" noChangeAspect="1"/>
+          </p:cNvSpPr>
+          <p:nvPr>
+            <p:ph type="sldImg"/>
+          </p:nvPr>
+        </p:nvSpPr>
+        <p:spPr/>
+      </p:sp>
+      <p:sp>
+        <p:nvSpPr>
+          <p:cNvPr id="3" name="Notes Placeholder 2"/>
+          <p:cNvSpPr>
+            <a:spLocks noGrp="1"/>
+          </p:cNvSpPr>
+          <p:nvPr>
+            <p:ph type="body" idx="1"/>
+          </p:nvPr>
+        </p:nvSpPr>
+        <p:spPr/>
+        <p:txBody>
+          <a:bodyPr>
+            <a:normAutofit/>
+          </a:bodyPr>
+          <a:lstStyle/>
+          <a:p>
+            <a:r>
+              <a:rPr lang="en-US" dirty="0" smtClean="0"/>
+              <a:t>Unit is like Void</a:t>
+            </a:r>
+            <a:endParaRPr lang="en-US" dirty="0"/>
+          </a:p>
+        </p:txBody>
+      </p:sp>
+      <p:sp>
+        <p:nvSpPr>
+          <p:cNvPr id="4" name="Slide Number Placeholder 3"/>
+          <p:cNvSpPr>
+            <a:spLocks noGrp="1"/>
+          </p:cNvSpPr>
+          <p:nvPr>
+            <p:ph type="sldNum" sz="quarter" idx="10"/>
+          </p:nvPr>
+        </p:nvSpPr>
+        <p:spPr/>
+        <p:txBody>
+          <a:bodyPr/>
+          <a:lstStyle/>
+          <a:p>
+            <a:fld id="{581B2441-FA71-4978-B653-437909BAD410}" type="slidenum">
+              <a:rPr lang="en-US" smtClean="0"/>
+              <a:pPr/>
+              <a:t>35</a:t>
+            </a:fld>
+            <a:endParaRPr lang="en-US"/>
+          </a:p>
+        </p:txBody>
+      </p:sp>
+    </p:spTree>
+  </p:cSld>
+  <p:clrMapOvr>
+    <a:masterClrMapping/>
+  </p:clrMapOvr>
+</p:notes>
+</file>
+
+<file path=ppt/notesSlides/notesSlide35.xml><?xml version="1.0" encoding="utf-8"?>
+<p:notes xmlns:a="http://schemas.openxmlformats.org/drawingml/2006/main" xmlns:r="http://schemas.openxmlformats.org/officeDocument/2006/relationships" xmlns:p="http://schemas.openxmlformats.org/presentationml/2006/main">
+  <p:cSld>
+    <p:spTree>
+      <p:nvGrpSpPr>
+        <p:cNvPr id="1" name=""/>
+        <p:cNvGrpSpPr/>
+        <p:nvPr/>
+      </p:nvGrpSpPr>
+      <p:grpSpPr>
+        <a:xfrm>
+          <a:off x="0" y="0"/>
+          <a:ext cx="0" cy="0"/>
+          <a:chOff x="0" y="0"/>
+          <a:chExt cx="0" cy="0"/>
+        </a:xfrm>
+      </p:grpSpPr>
+      <p:sp>
+        <p:nvSpPr>
+          <p:cNvPr id="2" name="Slide Image Placeholder 1"/>
+          <p:cNvSpPr>
+            <a:spLocks noGrp="1" noRot="1" noChangeAspect="1"/>
+          </p:cNvSpPr>
+          <p:nvPr>
+            <p:ph type="sldImg"/>
+          </p:nvPr>
+        </p:nvSpPr>
+        <p:spPr/>
+      </p:sp>
+      <p:sp>
+        <p:nvSpPr>
+          <p:cNvPr id="3" name="Notes Placeholder 2"/>
+          <p:cNvSpPr>
+            <a:spLocks noGrp="1"/>
+          </p:cNvSpPr>
+          <p:nvPr>
+            <p:ph type="body" idx="1"/>
+          </p:nvPr>
+        </p:nvSpPr>
+        <p:spPr/>
+        <p:txBody>
+          <a:bodyPr>
+            <a:normAutofit/>
+          </a:bodyPr>
+          <a:lstStyle/>
+          <a:p>
+            <a:r>
+              <a:rPr lang="en-US" dirty="0" smtClean="0"/>
+              <a:t>Unit is like Void</a:t>
+            </a:r>
+            <a:endParaRPr lang="en-US" dirty="0"/>
+          </a:p>
+        </p:txBody>
+      </p:sp>
+      <p:sp>
+        <p:nvSpPr>
+          <p:cNvPr id="4" name="Slide Number Placeholder 3"/>
+          <p:cNvSpPr>
+            <a:spLocks noGrp="1"/>
+          </p:cNvSpPr>
+          <p:nvPr>
+            <p:ph type="sldNum" sz="quarter" idx="10"/>
+          </p:nvPr>
+        </p:nvSpPr>
+        <p:spPr/>
+        <p:txBody>
+          <a:bodyPr/>
+          <a:lstStyle/>
+          <a:p>
+            <a:fld id="{581B2441-FA71-4978-B653-437909BAD410}" type="slidenum">
+              <a:rPr lang="en-US" smtClean="0"/>
+              <a:pPr/>
+              <a:t>36</a:t>
+            </a:fld>
+            <a:endParaRPr lang="en-US"/>
+          </a:p>
+        </p:txBody>
+      </p:sp>
+    </p:spTree>
+  </p:cSld>
+  <p:clrMapOvr>
+    <a:masterClrMapping/>
+  </p:clrMapOvr>
+</p:notes>
+</file>
+
+<file path=ppt/notesSlides/notesSlide36.xml><?xml version="1.0" encoding="utf-8"?>
+<p:notes xmlns:a="http://schemas.openxmlformats.org/drawingml/2006/main" xmlns:r="http://schemas.openxmlformats.org/officeDocument/2006/relationships" xmlns:p="http://schemas.openxmlformats.org/presentationml/2006/main">
+  <p:cSld>
+    <p:spTree>
+      <p:nvGrpSpPr>
+        <p:cNvPr id="1" name=""/>
+        <p:cNvGrpSpPr/>
+        <p:nvPr/>
+      </p:nvGrpSpPr>
+      <p:grpSpPr>
+        <a:xfrm>
+          <a:off x="0" y="0"/>
+          <a:ext cx="0" cy="0"/>
+          <a:chOff x="0" y="0"/>
+          <a:chExt cx="0" cy="0"/>
+        </a:xfrm>
+      </p:grpSpPr>
+      <p:sp>
+        <p:nvSpPr>
+          <p:cNvPr id="2" name="Slide Image Placeholder 1"/>
+          <p:cNvSpPr>
+            <a:spLocks noGrp="1" noRot="1" noChangeAspect="1"/>
+          </p:cNvSpPr>
+          <p:nvPr>
+            <p:ph type="sldImg"/>
+          </p:nvPr>
+        </p:nvSpPr>
+        <p:spPr/>
+      </p:sp>
+      <p:sp>
+        <p:nvSpPr>
+          <p:cNvPr id="3" name="Notes Placeholder 2"/>
+          <p:cNvSpPr>
+            <a:spLocks noGrp="1"/>
+          </p:cNvSpPr>
+          <p:nvPr>
+            <p:ph type="body" idx="1"/>
+          </p:nvPr>
+        </p:nvSpPr>
+        <p:spPr/>
+        <p:txBody>
+          <a:bodyPr>
+            <a:normAutofit/>
+          </a:bodyPr>
+          <a:lstStyle/>
+          <a:p>
+            <a:r>
+              <a:rPr lang="en-US" dirty="0" smtClean="0"/>
+              <a:t>Unit is like Void</a:t>
+            </a:r>
+            <a:endParaRPr lang="en-US" dirty="0"/>
+          </a:p>
+        </p:txBody>
+      </p:sp>
+      <p:sp>
+        <p:nvSpPr>
+          <p:cNvPr id="4" name="Slide Number Placeholder 3"/>
+          <p:cNvSpPr>
+            <a:spLocks noGrp="1"/>
+          </p:cNvSpPr>
+          <p:nvPr>
+            <p:ph type="sldNum" sz="quarter" idx="10"/>
+          </p:nvPr>
+        </p:nvSpPr>
+        <p:spPr/>
+        <p:txBody>
+          <a:bodyPr/>
+          <a:lstStyle/>
+          <a:p>
+            <a:fld id="{581B2441-FA71-4978-B653-437909BAD410}" type="slidenum">
+              <a:rPr lang="en-US" smtClean="0"/>
+              <a:pPr/>
+              <a:t>37</a:t>
+            </a:fld>
+            <a:endParaRPr lang="en-US"/>
+          </a:p>
+        </p:txBody>
+      </p:sp>
+    </p:spTree>
+  </p:cSld>
+  <p:clrMapOvr>
+    <a:masterClrMapping/>
+  </p:clrMapOvr>
+</p:notes>
+</file>
+
+<file path=ppt/notesSlides/notesSlide37.xml><?xml version="1.0" encoding="utf-8"?>
+<p:notes xmlns:a="http://schemas.openxmlformats.org/drawingml/2006/main" xmlns:r="http://schemas.openxmlformats.org/officeDocument/2006/relationships" xmlns:p="http://schemas.openxmlformats.org/presentationml/2006/main">
+  <p:cSld>
+    <p:spTree>
+      <p:nvGrpSpPr>
+        <p:cNvPr id="1" name=""/>
+        <p:cNvGrpSpPr/>
+        <p:nvPr/>
+      </p:nvGrpSpPr>
+      <p:grpSpPr>
+        <a:xfrm>
+          <a:off x="0" y="0"/>
+          <a:ext cx="0" cy="0"/>
+          <a:chOff x="0" y="0"/>
+          <a:chExt cx="0" cy="0"/>
+        </a:xfrm>
+      </p:grpSpPr>
+      <p:sp>
+        <p:nvSpPr>
+          <p:cNvPr id="2" name="Slide Image Placeholder 1"/>
+          <p:cNvSpPr>
+            <a:spLocks noGrp="1" noRot="1" noChangeAspect="1"/>
+          </p:cNvSpPr>
+          <p:nvPr>
+            <p:ph type="sldImg"/>
+          </p:nvPr>
+        </p:nvSpPr>
+        <p:spPr/>
+      </p:sp>
+      <p:sp>
+        <p:nvSpPr>
+          <p:cNvPr id="3" name="Notes Placeholder 2"/>
+          <p:cNvSpPr>
+            <a:spLocks noGrp="1"/>
+          </p:cNvSpPr>
+          <p:nvPr>
+            <p:ph type="body" idx="1"/>
+          </p:nvPr>
+        </p:nvSpPr>
+        <p:spPr/>
+        <p:txBody>
+          <a:bodyPr>
+            <a:normAutofit/>
+          </a:bodyPr>
+          <a:lstStyle/>
+          <a:p>
+            <a:r>
+              <a:rPr lang="en-US" dirty="0" smtClean="0"/>
+              <a:t>Unit is like Void</a:t>
+            </a:r>
+            <a:endParaRPr lang="en-US" dirty="0"/>
+          </a:p>
+        </p:txBody>
+      </p:sp>
+      <p:sp>
+        <p:nvSpPr>
+          <p:cNvPr id="4" name="Slide Number Placeholder 3"/>
+          <p:cNvSpPr>
+            <a:spLocks noGrp="1"/>
+          </p:cNvSpPr>
+          <p:nvPr>
+            <p:ph type="sldNum" sz="quarter" idx="10"/>
+          </p:nvPr>
+        </p:nvSpPr>
+        <p:spPr/>
+        <p:txBody>
+          <a:bodyPr/>
+          <a:lstStyle/>
+          <a:p>
+            <a:fld id="{581B2441-FA71-4978-B653-437909BAD410}" type="slidenum">
+              <a:rPr lang="en-US" smtClean="0"/>
+              <a:pPr/>
+              <a:t>38</a:t>
             </a:fld>
             <a:endParaRPr lang="en-US"/>
           </a:p>
@@ -6915,7 +7330,7 @@
             <a:fld id="{ABA5B4E5-0D47-4578-9265-7D66D3FBF02B}" type="datetime1">
               <a:rPr lang="en-US" smtClean="0"/>
               <a:pPr/>
-              <a:t>2/13/2018</a:t>
+              <a:t>2/17/2018</a:t>
             </a:fld>
             <a:endParaRPr lang="en-US"/>
           </a:p>
@@ -7100,7 +7515,7 @@
             <a:fld id="{F0EE6F88-9BE4-456C-8CA0-D526A1B19931}" type="datetime1">
               <a:rPr lang="en-US" smtClean="0"/>
               <a:pPr/>
-              <a:t>2/13/2018</a:t>
+              <a:t>2/17/2018</a:t>
             </a:fld>
             <a:endParaRPr lang="en-US"/>
           </a:p>
@@ -7275,7 +7690,7 @@
             <a:fld id="{8028D440-41A8-478F-85EB-D04E2DBE7447}" type="datetime1">
               <a:rPr lang="en-US" smtClean="0"/>
               <a:pPr/>
-              <a:t>2/13/2018</a:t>
+              <a:t>2/17/2018</a:t>
             </a:fld>
             <a:endParaRPr lang="en-US"/>
           </a:p>
@@ -7526,7 +7941,7 @@
             <a:fld id="{47606353-EC0B-49FC-843B-7E3F26890EC4}" type="datetime1">
               <a:rPr lang="en-US" smtClean="0"/>
               <a:pPr/>
-              <a:t>2/13/2018</a:t>
+              <a:t>2/17/2018</a:t>
             </a:fld>
             <a:endParaRPr lang="en-US"/>
           </a:p>
@@ -7819,7 +8234,7 @@
             <a:fld id="{B4DB143D-E82D-46CA-B8B1-8B4B4C2E52E4}" type="datetime1">
               <a:rPr lang="en-US" smtClean="0"/>
               <a:pPr/>
-              <a:t>2/13/2018</a:t>
+              <a:t>2/17/2018</a:t>
             </a:fld>
             <a:endParaRPr lang="en-US"/>
           </a:p>
@@ -8246,7 +8661,7 @@
             <a:fld id="{3BBF0248-7FC9-4AB8-88D9-C5A8563D03CA}" type="datetime1">
               <a:rPr lang="en-US" smtClean="0"/>
               <a:pPr/>
-              <a:t>2/13/2018</a:t>
+              <a:t>2/17/2018</a:t>
             </a:fld>
             <a:endParaRPr lang="en-US"/>
           </a:p>
@@ -8369,7 +8784,7 @@
             <a:fld id="{939C1EE3-BEEC-4EAD-85BC-6B1BF547A4F7}" type="datetime1">
               <a:rPr lang="en-US" smtClean="0"/>
               <a:pPr/>
-              <a:t>2/13/2018</a:t>
+              <a:t>2/17/2018</a:t>
             </a:fld>
             <a:endParaRPr lang="en-US"/>
           </a:p>
@@ -8469,7 +8884,7 @@
             <a:fld id="{A42BCFF1-B3A1-4151-858F-3308FC28BF61}" type="datetime1">
               <a:rPr lang="en-US" smtClean="0"/>
               <a:pPr/>
-              <a:t>2/13/2018</a:t>
+              <a:t>2/17/2018</a:t>
             </a:fld>
             <a:endParaRPr lang="en-US"/>
           </a:p>
@@ -8751,7 +9166,7 @@
             <a:fld id="{086B1B8B-2B41-487D-AC0C-8937A7B85CBF}" type="datetime1">
               <a:rPr lang="en-US" smtClean="0"/>
               <a:pPr/>
-              <a:t>2/13/2018</a:t>
+              <a:t>2/17/2018</a:t>
             </a:fld>
             <a:endParaRPr lang="en-US"/>
           </a:p>
@@ -9009,7 +9424,7 @@
             <a:fld id="{DA2D9D4C-D0FE-4C91-B361-5733EE1230B1}" type="datetime1">
               <a:rPr lang="en-US" smtClean="0"/>
               <a:pPr/>
-              <a:t>2/13/2018</a:t>
+              <a:t>2/17/2018</a:t>
             </a:fld>
             <a:endParaRPr lang="en-US"/>
           </a:p>
@@ -9227,7 +9642,7 @@
             <a:fld id="{990F84E2-ADDF-46CB-B448-B2FC64E37FC4}" type="datetime1">
               <a:rPr lang="en-US" smtClean="0"/>
               <a:pPr/>
-              <a:t>2/13/2018</a:t>
+              <a:t>2/17/2018</a:t>
             </a:fld>
             <a:endParaRPr lang="en-US"/>
           </a:p>
@@ -10063,13 +10478,7 @@
               <a:rPr lang="en-US" sz="2200" dirty="0" smtClean="0">
                 <a:latin typeface="+mj-lt"/>
               </a:rPr>
-              <a:t> </a:t>
-            </a:r>
-            <a:r>
-              <a:rPr lang="en-US" sz="2200" dirty="0" smtClean="0">
-                <a:latin typeface="+mj-lt"/>
-              </a:rPr>
-              <a:t>NameNode (NN) stores metadata – </a:t>
+              <a:t> NameNode (NN) stores metadata – </a:t>
             </a:r>
             <a:r>
               <a:rPr lang="en-US" sz="2200" i="1" dirty="0" smtClean="0">
@@ -10092,13 +10501,7 @@
               <a:rPr lang="en-US" sz="2200" dirty="0" smtClean="0">
                 <a:latin typeface="+mj-lt"/>
               </a:rPr>
-              <a:t> </a:t>
-            </a:r>
-            <a:r>
-              <a:rPr lang="en-US" sz="2200" dirty="0" smtClean="0">
-                <a:latin typeface="+mj-lt"/>
-              </a:rPr>
-              <a:t>Each file stored in a sequence of Blocks (default 128 MB size) on DataNodes (DN)</a:t>
+              <a:t> Each file stored in a sequence of Blocks (default 128 MB size) on DataNodes (DN)</a:t>
             </a:r>
           </a:p>
           <a:p>
@@ -10115,13 +10518,7 @@
               <a:rPr lang="en-US" sz="2200" dirty="0" smtClean="0">
                 <a:latin typeface="+mj-lt"/>
               </a:rPr>
-              <a:t> </a:t>
-            </a:r>
-            <a:r>
-              <a:rPr lang="en-US" sz="2200" dirty="0" smtClean="0">
-                <a:latin typeface="+mj-lt"/>
-              </a:rPr>
-              <a:t>Each block is replicated (Default Replication factor is 3)</a:t>
+              <a:t> Each block is replicated (Default Replication factor is 3)</a:t>
             </a:r>
           </a:p>
           <a:p>
@@ -10172,17 +10569,8 @@
               <a:rPr lang="en-US" sz="2200" dirty="0" smtClean="0">
                 <a:latin typeface="+mj-lt"/>
               </a:rPr>
-              <a:t> </a:t>
-            </a:r>
-            <a:r>
-              <a:rPr lang="en-US" sz="2200" dirty="0" smtClean="0">
-                <a:latin typeface="+mj-lt"/>
-              </a:rPr>
-              <a:t>Heartbeat to NN from DN indicates whether a DN is alive or down</a:t>
-            </a:r>
-            <a:endParaRPr lang="en-US" sz="2200" dirty="0" smtClean="0">
-              <a:latin typeface="+mj-lt"/>
-            </a:endParaRPr>
+              <a:t> Heartbeat to NN from DN indicates whether a DN is alive or down</a:t>
+            </a:r>
           </a:p>
         </p:txBody>
       </p:sp>
@@ -11238,10 +11626,6 @@
               <a:rPr lang="en-US" sz="3600" b="1" dirty="0" smtClean="0"/>
               <a:t>Sqoop </a:t>
             </a:r>
-            <a:r>
-              <a:rPr lang="en-US" sz="3600" b="1" dirty="0" smtClean="0"/>
-              <a:t/>
-            </a:r>
             <a:br>
               <a:rPr lang="en-US" sz="3600" b="1" dirty="0" smtClean="0"/>
             </a:br>
@@ -11336,11 +11720,7 @@
             </a:pPr>
             <a:r>
               <a:rPr lang="en-IN" sz="2400" dirty="0" smtClean="0"/>
-              <a:t> </a:t>
-            </a:r>
-            <a:r>
-              <a:rPr lang="en-IN" sz="2400" dirty="0" smtClean="0"/>
-              <a:t>Import results of a DB query into HDFS</a:t>
+              <a:t> Import results of a DB query into HDFS</a:t>
             </a:r>
           </a:p>
           <a:p>
@@ -11350,11 +11730,7 @@
             </a:pPr>
             <a:r>
               <a:rPr lang="en-IN" sz="2400" dirty="0" smtClean="0"/>
-              <a:t> </a:t>
-            </a:r>
-            <a:r>
-              <a:rPr lang="en-IN" sz="2400" dirty="0" smtClean="0"/>
-              <a:t>Import a DB table into a new or existing Hive Table</a:t>
+              <a:t> Import a DB table into a new or existing Hive Table</a:t>
             </a:r>
           </a:p>
           <a:p>
@@ -11373,11 +11749,7 @@
             </a:pPr>
             <a:r>
               <a:rPr lang="en-IN" sz="2400" dirty="0" smtClean="0"/>
-              <a:t> </a:t>
-            </a:r>
-            <a:r>
-              <a:rPr lang="en-IN" sz="2400" dirty="0" smtClean="0"/>
-              <a:t>Insert / Update data from HDFS into DB table</a:t>
+              <a:t> Insert / Update data from HDFS into DB table</a:t>
             </a:r>
           </a:p>
         </p:txBody>
@@ -11426,7 +11798,7 @@
         </p:nvSpPr>
         <p:spPr>
           <a:xfrm>
-            <a:off x="838200" y="-304800"/>
+            <a:off x="1143000" y="-174625"/>
             <a:ext cx="6553200" cy="1470025"/>
           </a:xfrm>
         </p:spPr>
@@ -11438,7 +11810,14 @@
           <a:p>
             <a:r>
               <a:rPr lang="en-US" sz="3600" b="1" dirty="0" smtClean="0"/>
-              <a:t>          Intro to MapReduce</a:t>
+              <a:t>Sqoop </a:t>
+            </a:r>
+            <a:br>
+              <a:rPr lang="en-US" sz="3600" b="1" dirty="0" smtClean="0"/>
+            </a:br>
+            <a:r>
+              <a:rPr lang="en-US" sz="3600" b="1" dirty="0" smtClean="0"/>
+              <a:t>(Incremental import)</a:t>
             </a:r>
             <a:endParaRPr lang="en-US" sz="3600" b="1" dirty="0"/>
           </a:p>
@@ -11471,97 +11850,9 @@
           </a:p>
         </p:txBody>
       </p:sp>
-      <p:sp>
-        <p:nvSpPr>
-          <p:cNvPr id="6" name="TextBox 5"/>
-          <p:cNvSpPr txBox="1"/>
-          <p:nvPr/>
-        </p:nvSpPr>
-        <p:spPr>
-          <a:xfrm>
-            <a:off x="228600" y="914400"/>
-            <a:ext cx="8763000" cy="1600438"/>
-          </a:xfrm>
-          <a:prstGeom prst="rect">
-            <a:avLst/>
-          </a:prstGeom>
-          <a:noFill/>
-        </p:spPr>
-        <p:txBody>
-          <a:bodyPr wrap="square" rtlCol="0">
-            <a:spAutoFit/>
-          </a:bodyPr>
-          <a:lstStyle/>
-          <a:p>
-            <a:r>
-              <a:rPr lang="en-US" sz="2600" b="1" dirty="0" smtClean="0">
-                <a:latin typeface="Book Antiqua" pitchFamily="18" charset="0"/>
-              </a:rPr>
-              <a:t>3 steps:</a:t>
-            </a:r>
-          </a:p>
-          <a:p>
-            <a:pPr>
-              <a:buFont typeface="Arial" pitchFamily="34" charset="0"/>
-              <a:buChar char="•"/>
-            </a:pPr>
-            <a:r>
-              <a:rPr lang="en-US" sz="2400" b="1" dirty="0" smtClean="0">
-                <a:latin typeface="Book Antiqua" pitchFamily="18" charset="0"/>
-              </a:rPr>
-              <a:t> </a:t>
-            </a:r>
-            <a:r>
-              <a:rPr lang="en-US" sz="2400" dirty="0" smtClean="0">
-                <a:latin typeface="Book Antiqua" pitchFamily="18" charset="0"/>
-              </a:rPr>
-              <a:t> Map</a:t>
-            </a:r>
-            <a:endParaRPr lang="en-US" sz="2400" b="1" dirty="0" smtClean="0">
-              <a:latin typeface="Book Antiqua" pitchFamily="18" charset="0"/>
-            </a:endParaRPr>
-          </a:p>
-          <a:p>
-            <a:pPr>
-              <a:buFont typeface="Arial" pitchFamily="34" charset="0"/>
-              <a:buChar char="•"/>
-            </a:pPr>
-            <a:r>
-              <a:rPr lang="en-US" sz="2400" dirty="0" smtClean="0">
-                <a:latin typeface="Book Antiqua" pitchFamily="18" charset="0"/>
-              </a:rPr>
-              <a:t>  Shuffle</a:t>
-            </a:r>
-            <a:endParaRPr lang="en-US" sz="2400" b="1" dirty="0" smtClean="0">
-              <a:latin typeface="Book Antiqua" pitchFamily="18" charset="0"/>
-            </a:endParaRPr>
-          </a:p>
-          <a:p>
-            <a:pPr>
-              <a:buFont typeface="Arial" pitchFamily="34" charset="0"/>
-              <a:buChar char="•"/>
-            </a:pPr>
-            <a:r>
-              <a:rPr lang="en-US" sz="2400" i="1" dirty="0" smtClean="0">
-                <a:latin typeface="Book Antiqua" pitchFamily="18" charset="0"/>
-              </a:rPr>
-              <a:t>  </a:t>
-            </a:r>
-            <a:r>
-              <a:rPr lang="en-US" sz="2400" dirty="0" smtClean="0">
-                <a:latin typeface="Book Antiqua" pitchFamily="18" charset="0"/>
-              </a:rPr>
-              <a:t>Reduce</a:t>
-            </a:r>
-            <a:endParaRPr lang="en-US" sz="2400" b="1" dirty="0">
-              <a:latin typeface="Book Antiqua" pitchFamily="18" charset="0"/>
-            </a:endParaRPr>
-          </a:p>
-        </p:txBody>
-      </p:sp>
       <p:pic>
         <p:nvPicPr>
-          <p:cNvPr id="7171" name="Picture 3"/>
+          <p:cNvPr id="1026" name="Picture 2"/>
           <p:cNvPicPr>
             <a:picLocks noChangeAspect="1" noChangeArrowheads="1"/>
           </p:cNvPicPr>
@@ -11576,8 +11867,8 @@
         </p:blipFill>
         <p:spPr bwMode="auto">
           <a:xfrm>
-            <a:off x="228600" y="2590800"/>
-            <a:ext cx="6858000" cy="3718952"/>
+            <a:off x="83049" y="1395413"/>
+            <a:ext cx="8984751" cy="4548187"/>
           </a:xfrm>
           <a:prstGeom prst="rect">
             <a:avLst/>
@@ -11635,7 +11926,7 @@
         </p:nvSpPr>
         <p:spPr>
           <a:xfrm>
-            <a:off x="838200" y="-304800"/>
+            <a:off x="1143000" y="-174625"/>
             <a:ext cx="6553200" cy="1470025"/>
           </a:xfrm>
         </p:spPr>
@@ -11647,7 +11938,14 @@
           <a:p>
             <a:r>
               <a:rPr lang="en-US" sz="3600" b="1" dirty="0" smtClean="0"/>
-              <a:t>          A MapReduce example</a:t>
+              <a:t>Sqoop </a:t>
+            </a:r>
+            <a:br>
+              <a:rPr lang="en-US" sz="3600" b="1" dirty="0" smtClean="0"/>
+            </a:br>
+            <a:r>
+              <a:rPr lang="en-US" sz="3600" b="1" dirty="0" smtClean="0"/>
+              <a:t>(Incremental import)</a:t>
             </a:r>
             <a:endParaRPr lang="en-US" sz="3600" b="1" dirty="0"/>
           </a:p>
@@ -11680,134 +11978,185 @@
           </a:p>
         </p:txBody>
       </p:sp>
-      <p:pic>
-        <p:nvPicPr>
-          <p:cNvPr id="8194" name="Picture 2"/>
-          <p:cNvPicPr>
-            <a:picLocks noChangeAspect="1" noChangeArrowheads="1"/>
-          </p:cNvPicPr>
+      <p:sp>
+        <p:nvSpPr>
+          <p:cNvPr id="6" name="TextBox 5"/>
+          <p:cNvSpPr txBox="1"/>
           <p:nvPr/>
-        </p:nvPicPr>
-        <p:blipFill>
-          <a:blip r:embed="rId3" cstate="print"/>
-          <a:srcRect/>
-          <a:stretch>
-            <a:fillRect/>
-          </a:stretch>
-        </p:blipFill>
-        <p:spPr bwMode="auto">
+        </p:nvSpPr>
+        <p:spPr>
           <a:xfrm>
-            <a:off x="381000" y="914399"/>
-            <a:ext cx="3657600" cy="2477439"/>
+            <a:off x="381000" y="1219200"/>
+            <a:ext cx="8229600" cy="4154984"/>
           </a:xfrm>
           <a:prstGeom prst="rect">
             <a:avLst/>
           </a:prstGeom>
           <a:noFill/>
-          <a:ln w="9525">
-            <a:noFill/>
-            <a:miter lim="800000"/>
-            <a:headEnd/>
-            <a:tailEnd/>
-          </a:ln>
         </p:spPr>
-      </p:pic>
-      <p:pic>
-        <p:nvPicPr>
-          <p:cNvPr id="8195" name="Picture 3"/>
-          <p:cNvPicPr>
-            <a:picLocks noChangeAspect="1" noChangeArrowheads="1"/>
-          </p:cNvPicPr>
-          <p:nvPr/>
-        </p:nvPicPr>
-        <p:blipFill>
-          <a:blip r:embed="rId4" cstate="print"/>
-          <a:srcRect/>
-          <a:stretch>
-            <a:fillRect/>
-          </a:stretch>
-        </p:blipFill>
-        <p:spPr bwMode="auto">
-          <a:xfrm>
-            <a:off x="4343400" y="838199"/>
-            <a:ext cx="3657600" cy="2535063"/>
-          </a:xfrm>
-          <a:prstGeom prst="rect">
-            <a:avLst/>
-          </a:prstGeom>
-          <a:noFill/>
-          <a:ln w="9525">
-            <a:noFill/>
-            <a:miter lim="800000"/>
-            <a:headEnd/>
-            <a:tailEnd/>
-          </a:ln>
-        </p:spPr>
-      </p:pic>
-      <p:pic>
-        <p:nvPicPr>
-          <p:cNvPr id="8196" name="Picture 4"/>
-          <p:cNvPicPr>
-            <a:picLocks noChangeAspect="1" noChangeArrowheads="1"/>
-          </p:cNvPicPr>
-          <p:nvPr/>
-        </p:nvPicPr>
-        <p:blipFill>
-          <a:blip r:embed="rId5" cstate="print"/>
-          <a:srcRect/>
-          <a:stretch>
-            <a:fillRect/>
-          </a:stretch>
-        </p:blipFill>
-        <p:spPr bwMode="auto">
-          <a:xfrm>
-            <a:off x="228600" y="3733800"/>
-            <a:ext cx="3987610" cy="2438400"/>
-          </a:xfrm>
-          <a:prstGeom prst="rect">
-            <a:avLst/>
-          </a:prstGeom>
-          <a:noFill/>
-          <a:ln w="9525">
-            <a:noFill/>
-            <a:miter lim="800000"/>
-            <a:headEnd/>
-            <a:tailEnd/>
-          </a:ln>
-        </p:spPr>
-      </p:pic>
-      <p:pic>
-        <p:nvPicPr>
-          <p:cNvPr id="8197" name="Picture 5"/>
-          <p:cNvPicPr>
-            <a:picLocks noChangeAspect="1" noChangeArrowheads="1"/>
-          </p:cNvPicPr>
-          <p:nvPr/>
-        </p:nvPicPr>
-        <p:blipFill>
-          <a:blip r:embed="rId6" cstate="print"/>
-          <a:srcRect/>
-          <a:stretch>
-            <a:fillRect/>
-          </a:stretch>
-        </p:blipFill>
-        <p:spPr bwMode="auto">
-          <a:xfrm>
-            <a:off x="3962400" y="3657600"/>
-            <a:ext cx="4991100" cy="2600325"/>
-          </a:xfrm>
-          <a:prstGeom prst="rect">
-            <a:avLst/>
-          </a:prstGeom>
-          <a:noFill/>
-          <a:ln w="9525">
-            <a:noFill/>
-            <a:miter lim="800000"/>
-            <a:headEnd/>
-            <a:tailEnd/>
-          </a:ln>
-        </p:spPr>
-      </p:pic>
+        <p:txBody>
+          <a:bodyPr wrap="square" rtlCol="0">
+            <a:spAutoFit/>
+          </a:bodyPr>
+          <a:lstStyle/>
+          <a:p>
+            <a:r>
+              <a:rPr lang="en-IN" b="1" dirty="0" smtClean="0"/>
+              <a:t>Option 1: Where Clause for Delta (When INSERTS happen on  table)</a:t>
+            </a:r>
+          </a:p>
+          <a:p>
+            <a:endParaRPr lang="en-IN" b="1" dirty="0" smtClean="0"/>
+          </a:p>
+          <a:p>
+            <a:r>
+              <a:rPr lang="en-IN" sz="2400" b="1" dirty="0" smtClean="0"/>
+              <a:t>sqoop </a:t>
+            </a:r>
+            <a:r>
+              <a:rPr lang="en-IN" sz="2400" b="1" dirty="0" smtClean="0"/>
+              <a:t>import \</a:t>
+            </a:r>
+          </a:p>
+          <a:p>
+            <a:r>
+              <a:rPr lang="en-IN" sz="2400" dirty="0" smtClean="0"/>
+              <a:t> </a:t>
+            </a:r>
+            <a:r>
+              <a:rPr lang="en-IN" sz="2400" dirty="0" smtClean="0"/>
+              <a:t>--connect "</a:t>
+            </a:r>
+            <a:r>
+              <a:rPr lang="en-IN" sz="2400" dirty="0" err="1" smtClean="0"/>
+              <a:t>jdbc:mysql</a:t>
+            </a:r>
+            <a:r>
+              <a:rPr lang="en-IN" sz="2400" dirty="0" smtClean="0"/>
+              <a:t>://</a:t>
+            </a:r>
+            <a:r>
+              <a:rPr lang="en-IN" sz="2400" dirty="0" err="1" smtClean="0"/>
+              <a:t>sandbox.hortonworks.com</a:t>
+            </a:r>
+            <a:r>
+              <a:rPr lang="en-IN" sz="2400" dirty="0" smtClean="0"/>
+              <a:t>/</a:t>
+            </a:r>
+            <a:r>
+              <a:rPr lang="en-IN" sz="2400" dirty="0" err="1" smtClean="0"/>
+              <a:t>retail_db</a:t>
+            </a:r>
+            <a:r>
+              <a:rPr lang="en-IN" sz="2400" dirty="0" smtClean="0"/>
+              <a:t>“ \</a:t>
+            </a:r>
+          </a:p>
+          <a:p>
+            <a:r>
+              <a:rPr lang="en-IN" sz="2400" dirty="0" smtClean="0"/>
+              <a:t> </a:t>
+            </a:r>
+            <a:r>
+              <a:rPr lang="en-IN" sz="2400" dirty="0" smtClean="0"/>
+              <a:t>--username root </a:t>
+            </a:r>
+            <a:r>
+              <a:rPr lang="en-IN" sz="2400" dirty="0" smtClean="0"/>
+              <a:t> \</a:t>
+            </a:r>
+          </a:p>
+          <a:p>
+            <a:r>
+              <a:rPr lang="en-IN" sz="2400" dirty="0" smtClean="0"/>
+              <a:t>--</a:t>
+            </a:r>
+            <a:r>
+              <a:rPr lang="en-IN" sz="2400" dirty="0" smtClean="0"/>
+              <a:t>password </a:t>
+            </a:r>
+            <a:r>
+              <a:rPr lang="en-IN" sz="2400" dirty="0" err="1" smtClean="0"/>
+              <a:t>hadoop</a:t>
+            </a:r>
+            <a:r>
+              <a:rPr lang="en-IN" sz="2400" dirty="0" smtClean="0"/>
+              <a:t> \</a:t>
+            </a:r>
+          </a:p>
+          <a:p>
+            <a:r>
+              <a:rPr lang="en-IN" sz="2400" dirty="0" smtClean="0"/>
+              <a:t> </a:t>
+            </a:r>
+            <a:r>
+              <a:rPr lang="en-IN" sz="2400" dirty="0" smtClean="0"/>
+              <a:t>--table departments </a:t>
+            </a:r>
+            <a:r>
+              <a:rPr lang="en-IN" sz="2400" dirty="0" smtClean="0"/>
+              <a:t>\</a:t>
+            </a:r>
+          </a:p>
+          <a:p>
+            <a:r>
+              <a:rPr lang="en-IN" sz="2400" dirty="0" smtClean="0"/>
+              <a:t>--</a:t>
+            </a:r>
+            <a:r>
+              <a:rPr lang="en-IN" sz="2400" dirty="0" smtClean="0"/>
+              <a:t>target-dir /user/root/</a:t>
+            </a:r>
+            <a:r>
+              <a:rPr lang="en-IN" sz="2400" dirty="0" err="1" smtClean="0"/>
+              <a:t>sqoop</a:t>
+            </a:r>
+            <a:r>
+              <a:rPr lang="en-IN" sz="2400" dirty="0" smtClean="0"/>
+              <a:t>-data/</a:t>
+            </a:r>
+            <a:r>
+              <a:rPr lang="en-IN" sz="2400" dirty="0" err="1" smtClean="0"/>
+              <a:t>retail_db</a:t>
+            </a:r>
+            <a:r>
+              <a:rPr lang="en-IN" sz="2400" dirty="0" smtClean="0"/>
+              <a:t>/departments </a:t>
+            </a:r>
+            <a:r>
+              <a:rPr lang="en-IN" sz="2400" dirty="0" smtClean="0"/>
+              <a:t>\</a:t>
+            </a:r>
+          </a:p>
+          <a:p>
+            <a:r>
+              <a:rPr lang="en-IN" sz="2400" dirty="0" smtClean="0"/>
+              <a:t>--append \</a:t>
+            </a:r>
+          </a:p>
+          <a:p>
+            <a:r>
+              <a:rPr lang="en-IN" sz="2400" dirty="0" smtClean="0"/>
+              <a:t> </a:t>
+            </a:r>
+            <a:r>
+              <a:rPr lang="en-IN" sz="2400" dirty="0" smtClean="0"/>
+              <a:t>--where "department_id &gt; </a:t>
+            </a:r>
+            <a:r>
+              <a:rPr lang="en-IN" sz="2400" dirty="0" smtClean="0"/>
+              <a:t>7”</a:t>
+            </a:r>
+            <a:endParaRPr lang="en-IN" b="1" dirty="0" smtClean="0"/>
+          </a:p>
+          <a:p>
+            <a:endParaRPr lang="en-IN" b="1" dirty="0" smtClean="0"/>
+          </a:p>
+          <a:p>
+            <a:endParaRPr lang="en-IN" b="1" dirty="0"/>
+          </a:p>
+        </p:txBody>
+      </p:sp>
     </p:spTree>
   </p:cSld>
   <p:clrMapOvr>
@@ -11852,7 +12201,7 @@
         </p:nvSpPr>
         <p:spPr>
           <a:xfrm>
-            <a:off x="838200" y="-304800"/>
+            <a:off x="1143000" y="-174625"/>
             <a:ext cx="6553200" cy="1470025"/>
           </a:xfrm>
         </p:spPr>
@@ -11864,7 +12213,14 @@
           <a:p>
             <a:r>
               <a:rPr lang="en-US" sz="3600" b="1" dirty="0" smtClean="0"/>
-              <a:t>          A MapReduce example</a:t>
+              <a:t>Sqoop </a:t>
+            </a:r>
+            <a:br>
+              <a:rPr lang="en-US" sz="3600" b="1" dirty="0" smtClean="0"/>
+            </a:br>
+            <a:r>
+              <a:rPr lang="en-US" sz="3600" b="1" dirty="0" smtClean="0"/>
+              <a:t>(Incremental import)</a:t>
             </a:r>
             <a:endParaRPr lang="en-US" sz="3600" b="1" dirty="0"/>
           </a:p>
@@ -11897,70 +12253,189 @@
           </a:p>
         </p:txBody>
       </p:sp>
-      <p:pic>
-        <p:nvPicPr>
-          <p:cNvPr id="8194" name="Picture 2"/>
-          <p:cNvPicPr>
-            <a:picLocks noChangeAspect="1" noChangeArrowheads="1"/>
-          </p:cNvPicPr>
+      <p:sp>
+        <p:nvSpPr>
+          <p:cNvPr id="6" name="TextBox 5"/>
+          <p:cNvSpPr txBox="1"/>
           <p:nvPr/>
-        </p:nvPicPr>
-        <p:blipFill>
-          <a:blip r:embed="rId3" cstate="print"/>
-          <a:srcRect/>
-          <a:stretch>
-            <a:fillRect/>
-          </a:stretch>
-        </p:blipFill>
-        <p:spPr bwMode="auto">
+        </p:nvSpPr>
+        <p:spPr>
           <a:xfrm>
-            <a:off x="2819400" y="762000"/>
-            <a:ext cx="3962400" cy="2683892"/>
+            <a:off x="381000" y="1219200"/>
+            <a:ext cx="8229600" cy="5170646"/>
           </a:xfrm>
           <a:prstGeom prst="rect">
             <a:avLst/>
           </a:prstGeom>
           <a:noFill/>
-          <a:ln w="9525">
-            <a:noFill/>
-            <a:miter lim="800000"/>
-            <a:headEnd/>
-            <a:tailEnd/>
-          </a:ln>
         </p:spPr>
-      </p:pic>
-      <p:pic>
-        <p:nvPicPr>
-          <p:cNvPr id="9218" name="Picture 2"/>
-          <p:cNvPicPr>
-            <a:picLocks noChangeAspect="1" noChangeArrowheads="1"/>
-          </p:cNvPicPr>
-          <p:nvPr/>
-        </p:nvPicPr>
-        <p:blipFill>
-          <a:blip r:embed="rId4" cstate="print"/>
-          <a:srcRect/>
-          <a:stretch>
-            <a:fillRect/>
-          </a:stretch>
-        </p:blipFill>
-        <p:spPr bwMode="auto">
-          <a:xfrm>
-            <a:off x="1066800" y="3657600"/>
-            <a:ext cx="6899841" cy="2819400"/>
-          </a:xfrm>
-          <a:prstGeom prst="rect">
-            <a:avLst/>
-          </a:prstGeom>
-          <a:noFill/>
-          <a:ln w="9525">
-            <a:noFill/>
-            <a:miter lim="800000"/>
-            <a:headEnd/>
-            <a:tailEnd/>
-          </a:ln>
-        </p:spPr>
-      </p:pic>
+        <p:txBody>
+          <a:bodyPr wrap="square" rtlCol="0">
+            <a:spAutoFit/>
+          </a:bodyPr>
+          <a:lstStyle/>
+          <a:p>
+            <a:r>
+              <a:rPr lang="en-IN" b="1" dirty="0" smtClean="0"/>
+              <a:t>Option 1: Standard –incremental with append mode (when INSERTS happen on table)</a:t>
+            </a:r>
+          </a:p>
+          <a:p>
+            <a:endParaRPr lang="en-IN" b="1" dirty="0" smtClean="0"/>
+          </a:p>
+          <a:p>
+            <a:r>
+              <a:rPr lang="en-IN" sz="2400" b="1" dirty="0" smtClean="0"/>
+              <a:t>sqoop </a:t>
+            </a:r>
+            <a:r>
+              <a:rPr lang="en-IN" sz="2400" b="1" dirty="0" smtClean="0"/>
+              <a:t>import \</a:t>
+            </a:r>
+          </a:p>
+          <a:p>
+            <a:r>
+              <a:rPr lang="en-IN" sz="2400" dirty="0" smtClean="0"/>
+              <a:t> </a:t>
+            </a:r>
+            <a:r>
+              <a:rPr lang="en-IN" sz="2400" dirty="0" smtClean="0"/>
+              <a:t>--connect "</a:t>
+            </a:r>
+            <a:r>
+              <a:rPr lang="en-IN" sz="2400" dirty="0" err="1" smtClean="0"/>
+              <a:t>jdbc:mysql</a:t>
+            </a:r>
+            <a:r>
+              <a:rPr lang="en-IN" sz="2400" dirty="0" smtClean="0"/>
+              <a:t>://</a:t>
+            </a:r>
+            <a:r>
+              <a:rPr lang="en-IN" sz="2400" dirty="0" err="1" smtClean="0"/>
+              <a:t>sandbox.hortonworks.com</a:t>
+            </a:r>
+            <a:r>
+              <a:rPr lang="en-IN" sz="2400" dirty="0" smtClean="0"/>
+              <a:t>/</a:t>
+            </a:r>
+            <a:r>
+              <a:rPr lang="en-IN" sz="2400" dirty="0" err="1" smtClean="0"/>
+              <a:t>retail_db</a:t>
+            </a:r>
+            <a:r>
+              <a:rPr lang="en-IN" sz="2400" dirty="0" smtClean="0"/>
+              <a:t>“ \</a:t>
+            </a:r>
+          </a:p>
+          <a:p>
+            <a:r>
+              <a:rPr lang="en-IN" sz="2400" dirty="0" smtClean="0"/>
+              <a:t> </a:t>
+            </a:r>
+            <a:r>
+              <a:rPr lang="en-IN" sz="2400" dirty="0" smtClean="0"/>
+              <a:t>--username root </a:t>
+            </a:r>
+            <a:r>
+              <a:rPr lang="en-IN" sz="2400" dirty="0" smtClean="0"/>
+              <a:t> \</a:t>
+            </a:r>
+          </a:p>
+          <a:p>
+            <a:r>
+              <a:rPr lang="en-IN" sz="2400" dirty="0" smtClean="0"/>
+              <a:t>--</a:t>
+            </a:r>
+            <a:r>
+              <a:rPr lang="en-IN" sz="2400" dirty="0" smtClean="0"/>
+              <a:t>password </a:t>
+            </a:r>
+            <a:r>
+              <a:rPr lang="en-IN" sz="2400" dirty="0" err="1" smtClean="0"/>
+              <a:t>hadoop</a:t>
+            </a:r>
+            <a:r>
+              <a:rPr lang="en-IN" sz="2400" dirty="0" smtClean="0"/>
+              <a:t> \</a:t>
+            </a:r>
+          </a:p>
+          <a:p>
+            <a:r>
+              <a:rPr lang="en-IN" sz="2400" dirty="0" smtClean="0"/>
+              <a:t> </a:t>
+            </a:r>
+            <a:r>
+              <a:rPr lang="en-IN" sz="2400" dirty="0" smtClean="0"/>
+              <a:t>--table departments </a:t>
+            </a:r>
+            <a:r>
+              <a:rPr lang="en-IN" sz="2400" dirty="0" smtClean="0"/>
+              <a:t>\</a:t>
+            </a:r>
+          </a:p>
+          <a:p>
+            <a:r>
+              <a:rPr lang="en-IN" sz="2400" dirty="0" smtClean="0"/>
+              <a:t>--</a:t>
+            </a:r>
+            <a:r>
+              <a:rPr lang="en-IN" sz="2400" dirty="0" smtClean="0"/>
+              <a:t>target-dir /user/root/</a:t>
+            </a:r>
+            <a:r>
+              <a:rPr lang="en-IN" sz="2400" dirty="0" err="1" smtClean="0"/>
+              <a:t>sqoop</a:t>
+            </a:r>
+            <a:r>
+              <a:rPr lang="en-IN" sz="2400" dirty="0" smtClean="0"/>
+              <a:t>-data/</a:t>
+            </a:r>
+            <a:r>
+              <a:rPr lang="en-IN" sz="2400" dirty="0" err="1" smtClean="0"/>
+              <a:t>retail_db</a:t>
+            </a:r>
+            <a:r>
+              <a:rPr lang="en-IN" sz="2400" dirty="0" smtClean="0"/>
+              <a:t>/departments </a:t>
+            </a:r>
+            <a:r>
+              <a:rPr lang="en-IN" sz="2400" dirty="0" smtClean="0"/>
+              <a:t>\</a:t>
+            </a:r>
+          </a:p>
+          <a:p>
+            <a:r>
+              <a:rPr lang="en-IN" sz="2400" dirty="0" smtClean="0"/>
+              <a:t>--append \</a:t>
+            </a:r>
+          </a:p>
+          <a:p>
+            <a:r>
+              <a:rPr lang="en-IN" sz="2400" dirty="0" smtClean="0"/>
+              <a:t> --check-column department_id  \</a:t>
+            </a:r>
+          </a:p>
+          <a:p>
+            <a:r>
+              <a:rPr lang="en-IN" sz="2400" dirty="0" smtClean="0"/>
+              <a:t>--incremental append \</a:t>
+            </a:r>
+          </a:p>
+          <a:p>
+            <a:r>
+              <a:rPr lang="en-IN" sz="2400" dirty="0" smtClean="0"/>
+              <a:t>--last-value 7</a:t>
+            </a:r>
+            <a:endParaRPr lang="en-IN" dirty="0" smtClean="0"/>
+          </a:p>
+          <a:p>
+            <a:endParaRPr lang="en-IN" b="1" dirty="0" smtClean="0"/>
+          </a:p>
+          <a:p>
+            <a:endParaRPr lang="en-IN" b="1" dirty="0"/>
+          </a:p>
+        </p:txBody>
+      </p:sp>
     </p:spTree>
   </p:cSld>
   <p:clrMapOvr>
@@ -12441,7 +12916,7 @@
         </p:nvSpPr>
         <p:spPr>
           <a:xfrm>
-            <a:off x="838200" y="-304800"/>
+            <a:off x="1143000" y="-174625"/>
             <a:ext cx="6553200" cy="1470025"/>
           </a:xfrm>
         </p:spPr>
@@ -12453,7 +12928,14 @@
           <a:p>
             <a:r>
               <a:rPr lang="en-US" sz="3600" b="1" dirty="0" smtClean="0"/>
-              <a:t>          Hadoop Ecosystem</a:t>
+              <a:t>Sqoop </a:t>
+            </a:r>
+            <a:br>
+              <a:rPr lang="en-US" sz="3600" b="1" dirty="0" smtClean="0"/>
+            </a:br>
+            <a:r>
+              <a:rPr lang="en-US" sz="3600" b="1" dirty="0" smtClean="0"/>
+              <a:t>(Incremental import)</a:t>
             </a:r>
             <a:endParaRPr lang="en-US" sz="3600" b="1" dirty="0"/>
           </a:p>
@@ -12483,6 +12965,189 @@
               <a:t> Software Pvt Ltd, 2017 : All Rights Reserved </a:t>
             </a:r>
             <a:endParaRPr lang="en-US" dirty="0"/>
+          </a:p>
+        </p:txBody>
+      </p:sp>
+      <p:sp>
+        <p:nvSpPr>
+          <p:cNvPr id="6" name="TextBox 5"/>
+          <p:cNvSpPr txBox="1"/>
+          <p:nvPr/>
+        </p:nvSpPr>
+        <p:spPr>
+          <a:xfrm>
+            <a:off x="381000" y="1219200"/>
+            <a:ext cx="8229600" cy="5170646"/>
+          </a:xfrm>
+          <a:prstGeom prst="rect">
+            <a:avLst/>
+          </a:prstGeom>
+          <a:noFill/>
+        </p:spPr>
+        <p:txBody>
+          <a:bodyPr wrap="square" rtlCol="0">
+            <a:spAutoFit/>
+          </a:bodyPr>
+          <a:lstStyle/>
+          <a:p>
+            <a:r>
+              <a:rPr lang="en-IN" b="1" dirty="0" smtClean="0"/>
+              <a:t>Option 1: Standard –incremental with lastmodified mode (when UPDATES happen on table)</a:t>
+            </a:r>
+          </a:p>
+          <a:p>
+            <a:endParaRPr lang="en-IN" b="1" dirty="0" smtClean="0"/>
+          </a:p>
+          <a:p>
+            <a:r>
+              <a:rPr lang="en-IN" sz="2400" b="1" dirty="0" smtClean="0"/>
+              <a:t>sqoop </a:t>
+            </a:r>
+            <a:r>
+              <a:rPr lang="en-IN" sz="2400" b="1" dirty="0" smtClean="0"/>
+              <a:t>import \</a:t>
+            </a:r>
+          </a:p>
+          <a:p>
+            <a:r>
+              <a:rPr lang="en-IN" sz="2400" dirty="0" smtClean="0"/>
+              <a:t> </a:t>
+            </a:r>
+            <a:r>
+              <a:rPr lang="en-IN" sz="2400" dirty="0" smtClean="0"/>
+              <a:t>--connect "</a:t>
+            </a:r>
+            <a:r>
+              <a:rPr lang="en-IN" sz="2400" dirty="0" err="1" smtClean="0"/>
+              <a:t>jdbc:mysql</a:t>
+            </a:r>
+            <a:r>
+              <a:rPr lang="en-IN" sz="2400" dirty="0" smtClean="0"/>
+              <a:t>://</a:t>
+            </a:r>
+            <a:r>
+              <a:rPr lang="en-IN" sz="2400" dirty="0" err="1" smtClean="0"/>
+              <a:t>sandbox.hortonworks.com</a:t>
+            </a:r>
+            <a:r>
+              <a:rPr lang="en-IN" sz="2400" dirty="0" smtClean="0"/>
+              <a:t>/</a:t>
+            </a:r>
+            <a:r>
+              <a:rPr lang="en-IN" sz="2400" dirty="0" err="1" smtClean="0"/>
+              <a:t>retail_db</a:t>
+            </a:r>
+            <a:r>
+              <a:rPr lang="en-IN" sz="2400" dirty="0" smtClean="0"/>
+              <a:t>“ \</a:t>
+            </a:r>
+          </a:p>
+          <a:p>
+            <a:r>
+              <a:rPr lang="en-IN" sz="2400" dirty="0" smtClean="0"/>
+              <a:t> </a:t>
+            </a:r>
+            <a:r>
+              <a:rPr lang="en-IN" sz="2400" dirty="0" smtClean="0"/>
+              <a:t>--username root </a:t>
+            </a:r>
+            <a:r>
+              <a:rPr lang="en-IN" sz="2400" dirty="0" smtClean="0"/>
+              <a:t> \</a:t>
+            </a:r>
+          </a:p>
+          <a:p>
+            <a:r>
+              <a:rPr lang="en-IN" sz="2400" dirty="0" smtClean="0"/>
+              <a:t>--</a:t>
+            </a:r>
+            <a:r>
+              <a:rPr lang="en-IN" sz="2400" dirty="0" smtClean="0"/>
+              <a:t>password </a:t>
+            </a:r>
+            <a:r>
+              <a:rPr lang="en-IN" sz="2400" dirty="0" err="1" smtClean="0"/>
+              <a:t>hadoop</a:t>
+            </a:r>
+            <a:r>
+              <a:rPr lang="en-IN" sz="2400" dirty="0" smtClean="0"/>
+              <a:t> \</a:t>
+            </a:r>
+          </a:p>
+          <a:p>
+            <a:r>
+              <a:rPr lang="en-IN" sz="2400" dirty="0" smtClean="0"/>
+              <a:t> </a:t>
+            </a:r>
+            <a:r>
+              <a:rPr lang="en-IN" sz="2400" dirty="0" smtClean="0"/>
+              <a:t>--table departments </a:t>
+            </a:r>
+            <a:r>
+              <a:rPr lang="en-IN" sz="2400" dirty="0" smtClean="0"/>
+              <a:t>\</a:t>
+            </a:r>
+          </a:p>
+          <a:p>
+            <a:r>
+              <a:rPr lang="en-IN" sz="2400" dirty="0" smtClean="0"/>
+              <a:t>--</a:t>
+            </a:r>
+            <a:r>
+              <a:rPr lang="en-IN" sz="2400" dirty="0" smtClean="0"/>
+              <a:t>target-dir /user/root/</a:t>
+            </a:r>
+            <a:r>
+              <a:rPr lang="en-IN" sz="2400" dirty="0" err="1" smtClean="0"/>
+              <a:t>sqoop</a:t>
+            </a:r>
+            <a:r>
+              <a:rPr lang="en-IN" sz="2400" dirty="0" smtClean="0"/>
+              <a:t>-data/</a:t>
+            </a:r>
+            <a:r>
+              <a:rPr lang="en-IN" sz="2400" dirty="0" err="1" smtClean="0"/>
+              <a:t>retail_db</a:t>
+            </a:r>
+            <a:r>
+              <a:rPr lang="en-IN" sz="2400" dirty="0" smtClean="0"/>
+              <a:t>/departments </a:t>
+            </a:r>
+            <a:r>
+              <a:rPr lang="en-IN" sz="2400" dirty="0" smtClean="0"/>
+              <a:t>\</a:t>
+            </a:r>
+          </a:p>
+          <a:p>
+            <a:r>
+              <a:rPr lang="en-IN" sz="2400" dirty="0" smtClean="0"/>
+              <a:t>--append \</a:t>
+            </a:r>
+          </a:p>
+          <a:p>
+            <a:r>
+              <a:rPr lang="en-IN" sz="2400" dirty="0" smtClean="0"/>
+              <a:t> --check-column asofdate\</a:t>
+            </a:r>
+          </a:p>
+          <a:p>
+            <a:r>
+              <a:rPr lang="en-IN" sz="2400" dirty="0" smtClean="0"/>
+              <a:t>--incremental lastmodified \</a:t>
+            </a:r>
+          </a:p>
+          <a:p>
+            <a:r>
+              <a:rPr lang="en-IN" sz="2400" dirty="0" smtClean="0"/>
+              <a:t>--last-value ‘2018-01-01’</a:t>
+            </a:r>
+            <a:endParaRPr lang="en-IN" dirty="0" smtClean="0"/>
+          </a:p>
+          <a:p>
+            <a:endParaRPr lang="en-IN" b="1" dirty="0" smtClean="0"/>
+          </a:p>
+          <a:p>
+            <a:endParaRPr lang="en-IN" b="1" dirty="0"/>
           </a:p>
         </p:txBody>
       </p:sp>
@@ -12502,6 +13167,979 @@
 </file>
 
 <file path=ppt/slides/slide21.xml><?xml version="1.0" encoding="utf-8"?>
+<p:sld xmlns:a="http://schemas.openxmlformats.org/drawingml/2006/main" xmlns:r="http://schemas.openxmlformats.org/officeDocument/2006/relationships" xmlns:p="http://schemas.openxmlformats.org/presentationml/2006/main">
+  <p:cSld>
+    <p:spTree>
+      <p:nvGrpSpPr>
+        <p:cNvPr id="1" name=""/>
+        <p:cNvGrpSpPr/>
+        <p:nvPr/>
+      </p:nvGrpSpPr>
+      <p:grpSpPr>
+        <a:xfrm>
+          <a:off x="0" y="0"/>
+          <a:ext cx="0" cy="0"/>
+          <a:chOff x="0" y="0"/>
+          <a:chExt cx="0" cy="0"/>
+        </a:xfrm>
+      </p:grpSpPr>
+      <p:sp>
+        <p:nvSpPr>
+          <p:cNvPr id="2" name="Title 1"/>
+          <p:cNvSpPr>
+            <a:spLocks noGrp="1"/>
+          </p:cNvSpPr>
+          <p:nvPr>
+            <p:ph type="ctrTitle"/>
+          </p:nvPr>
+        </p:nvSpPr>
+        <p:spPr>
+          <a:xfrm>
+            <a:off x="1143000" y="-174625"/>
+            <a:ext cx="6553200" cy="1470025"/>
+          </a:xfrm>
+        </p:spPr>
+        <p:txBody>
+          <a:bodyPr>
+            <a:normAutofit/>
+          </a:bodyPr>
+          <a:lstStyle/>
+          <a:p>
+            <a:r>
+              <a:rPr lang="en-US" sz="3600" b="1" dirty="0" smtClean="0"/>
+              <a:t>Sqoop </a:t>
+            </a:r>
+            <a:br>
+              <a:rPr lang="en-US" sz="3600" b="1" dirty="0" smtClean="0"/>
+            </a:br>
+            <a:r>
+              <a:rPr lang="en-US" sz="3600" b="1" dirty="0" smtClean="0"/>
+              <a:t>(Sqoop Job)</a:t>
+            </a:r>
+            <a:endParaRPr lang="en-US" sz="3600" b="1" dirty="0"/>
+          </a:p>
+        </p:txBody>
+      </p:sp>
+      <p:sp>
+        <p:nvSpPr>
+          <p:cNvPr id="5" name="Footer Placeholder 4"/>
+          <p:cNvSpPr>
+            <a:spLocks noGrp="1"/>
+          </p:cNvSpPr>
+          <p:nvPr>
+            <p:ph type="ftr" sz="quarter" idx="11"/>
+          </p:nvPr>
+        </p:nvSpPr>
+        <p:spPr/>
+        <p:txBody>
+          <a:bodyPr/>
+          <a:lstStyle/>
+          <a:p>
+            <a:r>
+              <a:rPr lang="en-IN" dirty="0" err="1" smtClean="0"/>
+              <a:t>Kafal</a:t>
+            </a:r>
+            <a:r>
+              <a:rPr lang="en-IN" dirty="0" smtClean="0"/>
+              <a:t> Software Pvt Ltd, 2017 : All Rights Reserved </a:t>
+            </a:r>
+            <a:endParaRPr lang="en-US" dirty="0"/>
+          </a:p>
+        </p:txBody>
+      </p:sp>
+      <p:sp>
+        <p:nvSpPr>
+          <p:cNvPr id="6" name="TextBox 5"/>
+          <p:cNvSpPr txBox="1"/>
+          <p:nvPr/>
+        </p:nvSpPr>
+        <p:spPr>
+          <a:xfrm>
+            <a:off x="381000" y="1219200"/>
+            <a:ext cx="8229600" cy="5478423"/>
+          </a:xfrm>
+          <a:prstGeom prst="rect">
+            <a:avLst/>
+          </a:prstGeom>
+          <a:noFill/>
+        </p:spPr>
+        <p:txBody>
+          <a:bodyPr wrap="square" rtlCol="0">
+            <a:spAutoFit/>
+          </a:bodyPr>
+          <a:lstStyle/>
+          <a:p>
+            <a:r>
+              <a:rPr lang="en-IN" sz="2200" b="1" dirty="0" smtClean="0"/>
+              <a:t>s</a:t>
+            </a:r>
+            <a:r>
+              <a:rPr lang="en-IN" sz="2200" b="1" dirty="0" smtClean="0"/>
+              <a:t>qoop job --create my_job \</a:t>
+            </a:r>
+          </a:p>
+          <a:p>
+            <a:r>
+              <a:rPr lang="en-IN" sz="2200" b="1" dirty="0" smtClean="0"/>
+              <a:t>--  import \</a:t>
+            </a:r>
+          </a:p>
+          <a:p>
+            <a:r>
+              <a:rPr lang="en-IN" sz="2200" dirty="0" smtClean="0"/>
+              <a:t> </a:t>
+            </a:r>
+            <a:r>
+              <a:rPr lang="en-IN" sz="2200" dirty="0" smtClean="0"/>
+              <a:t>--connect "</a:t>
+            </a:r>
+            <a:r>
+              <a:rPr lang="en-IN" sz="2200" dirty="0" err="1" smtClean="0"/>
+              <a:t>jdbc:mysql</a:t>
+            </a:r>
+            <a:r>
+              <a:rPr lang="en-IN" sz="2200" dirty="0" smtClean="0"/>
+              <a:t>://</a:t>
+            </a:r>
+            <a:r>
+              <a:rPr lang="en-IN" sz="2200" dirty="0" err="1" smtClean="0"/>
+              <a:t>sandbox.hortonworks.com</a:t>
+            </a:r>
+            <a:r>
+              <a:rPr lang="en-IN" sz="2200" dirty="0" smtClean="0"/>
+              <a:t>/</a:t>
+            </a:r>
+            <a:r>
+              <a:rPr lang="en-IN" sz="2200" dirty="0" err="1" smtClean="0"/>
+              <a:t>retail_db</a:t>
+            </a:r>
+            <a:r>
+              <a:rPr lang="en-IN" sz="2200" dirty="0" smtClean="0"/>
+              <a:t>“ \</a:t>
+            </a:r>
+          </a:p>
+          <a:p>
+            <a:r>
+              <a:rPr lang="en-IN" sz="2200" dirty="0" smtClean="0"/>
+              <a:t> </a:t>
+            </a:r>
+            <a:r>
+              <a:rPr lang="en-IN" sz="2200" dirty="0" smtClean="0"/>
+              <a:t>--username root </a:t>
+            </a:r>
+            <a:r>
+              <a:rPr lang="en-IN" sz="2200" dirty="0" smtClean="0"/>
+              <a:t> \</a:t>
+            </a:r>
+          </a:p>
+          <a:p>
+            <a:r>
+              <a:rPr lang="en-IN" sz="2200" dirty="0" smtClean="0"/>
+              <a:t>--</a:t>
+            </a:r>
+            <a:r>
+              <a:rPr lang="en-IN" sz="2200" dirty="0" smtClean="0"/>
+              <a:t>password </a:t>
+            </a:r>
+            <a:r>
+              <a:rPr lang="en-IN" sz="2200" dirty="0" err="1" smtClean="0"/>
+              <a:t>hadoop</a:t>
+            </a:r>
+            <a:r>
+              <a:rPr lang="en-IN" sz="2200" dirty="0" smtClean="0"/>
+              <a:t> \</a:t>
+            </a:r>
+          </a:p>
+          <a:p>
+            <a:r>
+              <a:rPr lang="en-IN" sz="2200" dirty="0" smtClean="0"/>
+              <a:t> </a:t>
+            </a:r>
+            <a:r>
+              <a:rPr lang="en-IN" sz="2200" dirty="0" smtClean="0"/>
+              <a:t>--table departments </a:t>
+            </a:r>
+            <a:r>
+              <a:rPr lang="en-IN" sz="2200" dirty="0" smtClean="0"/>
+              <a:t>\</a:t>
+            </a:r>
+          </a:p>
+          <a:p>
+            <a:r>
+              <a:rPr lang="en-IN" sz="2200" dirty="0" smtClean="0"/>
+              <a:t>--</a:t>
+            </a:r>
+            <a:r>
+              <a:rPr lang="en-IN" sz="2200" dirty="0" smtClean="0"/>
+              <a:t>target-dir /user/root/</a:t>
+            </a:r>
+            <a:r>
+              <a:rPr lang="en-IN" sz="2200" dirty="0" err="1" smtClean="0"/>
+              <a:t>sqoop</a:t>
+            </a:r>
+            <a:r>
+              <a:rPr lang="en-IN" sz="2200" dirty="0" smtClean="0"/>
+              <a:t>-data/</a:t>
+            </a:r>
+            <a:r>
+              <a:rPr lang="en-IN" sz="2200" dirty="0" err="1" smtClean="0"/>
+              <a:t>retail_db</a:t>
+            </a:r>
+            <a:r>
+              <a:rPr lang="en-IN" sz="2200" dirty="0" smtClean="0"/>
+              <a:t>/departments </a:t>
+            </a:r>
+            <a:r>
+              <a:rPr lang="en-IN" sz="2200" dirty="0" smtClean="0"/>
+              <a:t>\</a:t>
+            </a:r>
+          </a:p>
+          <a:p>
+            <a:r>
+              <a:rPr lang="en-IN" sz="2200" dirty="0" smtClean="0"/>
+              <a:t>--append \</a:t>
+            </a:r>
+          </a:p>
+          <a:p>
+            <a:r>
+              <a:rPr lang="en-IN" sz="2200" dirty="0" smtClean="0"/>
+              <a:t> --check-column department_id\</a:t>
+            </a:r>
+          </a:p>
+          <a:p>
+            <a:r>
+              <a:rPr lang="en-IN" sz="2200" dirty="0" smtClean="0"/>
+              <a:t>--incremental append\</a:t>
+            </a:r>
+          </a:p>
+          <a:p>
+            <a:r>
+              <a:rPr lang="en-IN" sz="2200" dirty="0" smtClean="0"/>
+              <a:t>--last-value 802</a:t>
+            </a:r>
+          </a:p>
+          <a:p>
+            <a:endParaRPr lang="en-IN" dirty="0" smtClean="0"/>
+          </a:p>
+          <a:p>
+            <a:r>
+              <a:rPr lang="en-IN" b="1" dirty="0" smtClean="0"/>
+              <a:t>s</a:t>
+            </a:r>
+            <a:r>
+              <a:rPr lang="en-IN" b="1" dirty="0" smtClean="0"/>
+              <a:t>qoop job --list</a:t>
+            </a:r>
+          </a:p>
+          <a:p>
+            <a:r>
+              <a:rPr lang="en-IN" b="1" dirty="0" smtClean="0"/>
+              <a:t>s</a:t>
+            </a:r>
+            <a:r>
+              <a:rPr lang="en-IN" b="1" dirty="0" smtClean="0"/>
+              <a:t>qoop job --show my_job</a:t>
+            </a:r>
+          </a:p>
+          <a:p>
+            <a:r>
+              <a:rPr lang="en-IN" b="1" dirty="0" smtClean="0"/>
+              <a:t>Sqoop job --exec my_job </a:t>
+            </a:r>
+            <a:endParaRPr lang="en-IN" b="1" dirty="0" smtClean="0"/>
+          </a:p>
+          <a:p>
+            <a:endParaRPr lang="en-IN" b="1" dirty="0" smtClean="0"/>
+          </a:p>
+          <a:p>
+            <a:endParaRPr lang="en-IN" b="1" dirty="0"/>
+          </a:p>
+        </p:txBody>
+      </p:sp>
+    </p:spTree>
+  </p:cSld>
+  <p:clrMapOvr>
+    <a:masterClrMapping/>
+  </p:clrMapOvr>
+  <p:timing>
+    <p:tnLst>
+      <p:par>
+        <p:cTn id="1" dur="indefinite" restart="never" nodeType="tmRoot"/>
+      </p:par>
+    </p:tnLst>
+  </p:timing>
+</p:sld>
+</file>
+
+<file path=ppt/slides/slide22.xml><?xml version="1.0" encoding="utf-8"?>
+<p:sld xmlns:a="http://schemas.openxmlformats.org/drawingml/2006/main" xmlns:r="http://schemas.openxmlformats.org/officeDocument/2006/relationships" xmlns:p="http://schemas.openxmlformats.org/presentationml/2006/main">
+  <p:cSld>
+    <p:spTree>
+      <p:nvGrpSpPr>
+        <p:cNvPr id="1" name=""/>
+        <p:cNvGrpSpPr/>
+        <p:nvPr/>
+      </p:nvGrpSpPr>
+      <p:grpSpPr>
+        <a:xfrm>
+          <a:off x="0" y="0"/>
+          <a:ext cx="0" cy="0"/>
+          <a:chOff x="0" y="0"/>
+          <a:chExt cx="0" cy="0"/>
+        </a:xfrm>
+      </p:grpSpPr>
+      <p:sp>
+        <p:nvSpPr>
+          <p:cNvPr id="2" name="Title 1"/>
+          <p:cNvSpPr>
+            <a:spLocks noGrp="1"/>
+          </p:cNvSpPr>
+          <p:nvPr>
+            <p:ph type="ctrTitle"/>
+          </p:nvPr>
+        </p:nvSpPr>
+        <p:spPr>
+          <a:xfrm>
+            <a:off x="838200" y="-304800"/>
+            <a:ext cx="6553200" cy="1470025"/>
+          </a:xfrm>
+        </p:spPr>
+        <p:txBody>
+          <a:bodyPr>
+            <a:normAutofit/>
+          </a:bodyPr>
+          <a:lstStyle/>
+          <a:p>
+            <a:r>
+              <a:rPr lang="en-US" sz="3600" b="1" dirty="0" smtClean="0"/>
+              <a:t>          Intro to MapReduce</a:t>
+            </a:r>
+            <a:endParaRPr lang="en-US" sz="3600" b="1" dirty="0"/>
+          </a:p>
+        </p:txBody>
+      </p:sp>
+      <p:sp>
+        <p:nvSpPr>
+          <p:cNvPr id="5" name="Footer Placeholder 4"/>
+          <p:cNvSpPr>
+            <a:spLocks noGrp="1"/>
+          </p:cNvSpPr>
+          <p:nvPr>
+            <p:ph type="ftr" sz="quarter" idx="11"/>
+          </p:nvPr>
+        </p:nvSpPr>
+        <p:spPr/>
+        <p:txBody>
+          <a:bodyPr/>
+          <a:lstStyle/>
+          <a:p>
+            <a:r>
+              <a:rPr lang="en-IN" dirty="0" err="1" smtClean="0"/>
+              <a:t>Kafal</a:t>
+            </a:r>
+            <a:r>
+              <a:rPr lang="en-IN" dirty="0" smtClean="0"/>
+              <a:t> Software Pvt Ltd, 2017 : All Rights Reserved </a:t>
+            </a:r>
+            <a:endParaRPr lang="en-US" dirty="0"/>
+          </a:p>
+        </p:txBody>
+      </p:sp>
+      <p:sp>
+        <p:nvSpPr>
+          <p:cNvPr id="6" name="TextBox 5"/>
+          <p:cNvSpPr txBox="1"/>
+          <p:nvPr/>
+        </p:nvSpPr>
+        <p:spPr>
+          <a:xfrm>
+            <a:off x="228600" y="914400"/>
+            <a:ext cx="8763000" cy="1600438"/>
+          </a:xfrm>
+          <a:prstGeom prst="rect">
+            <a:avLst/>
+          </a:prstGeom>
+          <a:noFill/>
+        </p:spPr>
+        <p:txBody>
+          <a:bodyPr wrap="square" rtlCol="0">
+            <a:spAutoFit/>
+          </a:bodyPr>
+          <a:lstStyle/>
+          <a:p>
+            <a:r>
+              <a:rPr lang="en-US" sz="2600" b="1" dirty="0" smtClean="0">
+                <a:latin typeface="Book Antiqua" pitchFamily="18" charset="0"/>
+              </a:rPr>
+              <a:t>3 steps:</a:t>
+            </a:r>
+          </a:p>
+          <a:p>
+            <a:pPr>
+              <a:buFont typeface="Arial" pitchFamily="34" charset="0"/>
+              <a:buChar char="•"/>
+            </a:pPr>
+            <a:r>
+              <a:rPr lang="en-US" sz="2400" b="1" dirty="0" smtClean="0">
+                <a:latin typeface="Book Antiqua" pitchFamily="18" charset="0"/>
+              </a:rPr>
+              <a:t> </a:t>
+            </a:r>
+            <a:r>
+              <a:rPr lang="en-US" sz="2400" dirty="0" smtClean="0">
+                <a:latin typeface="Book Antiqua" pitchFamily="18" charset="0"/>
+              </a:rPr>
+              <a:t> Map</a:t>
+            </a:r>
+            <a:endParaRPr lang="en-US" sz="2400" b="1" dirty="0" smtClean="0">
+              <a:latin typeface="Book Antiqua" pitchFamily="18" charset="0"/>
+            </a:endParaRPr>
+          </a:p>
+          <a:p>
+            <a:pPr>
+              <a:buFont typeface="Arial" pitchFamily="34" charset="0"/>
+              <a:buChar char="•"/>
+            </a:pPr>
+            <a:r>
+              <a:rPr lang="en-US" sz="2400" dirty="0" smtClean="0">
+                <a:latin typeface="Book Antiqua" pitchFamily="18" charset="0"/>
+              </a:rPr>
+              <a:t>  Shuffle</a:t>
+            </a:r>
+            <a:endParaRPr lang="en-US" sz="2400" b="1" dirty="0" smtClean="0">
+              <a:latin typeface="Book Antiqua" pitchFamily="18" charset="0"/>
+            </a:endParaRPr>
+          </a:p>
+          <a:p>
+            <a:pPr>
+              <a:buFont typeface="Arial" pitchFamily="34" charset="0"/>
+              <a:buChar char="•"/>
+            </a:pPr>
+            <a:r>
+              <a:rPr lang="en-US" sz="2400" i="1" dirty="0" smtClean="0">
+                <a:latin typeface="Book Antiqua" pitchFamily="18" charset="0"/>
+              </a:rPr>
+              <a:t>  </a:t>
+            </a:r>
+            <a:r>
+              <a:rPr lang="en-US" sz="2400" dirty="0" smtClean="0">
+                <a:latin typeface="Book Antiqua" pitchFamily="18" charset="0"/>
+              </a:rPr>
+              <a:t>Reduce</a:t>
+            </a:r>
+            <a:endParaRPr lang="en-US" sz="2400" b="1" dirty="0">
+              <a:latin typeface="Book Antiqua" pitchFamily="18" charset="0"/>
+            </a:endParaRPr>
+          </a:p>
+        </p:txBody>
+      </p:sp>
+      <p:pic>
+        <p:nvPicPr>
+          <p:cNvPr id="7171" name="Picture 3"/>
+          <p:cNvPicPr>
+            <a:picLocks noChangeAspect="1" noChangeArrowheads="1"/>
+          </p:cNvPicPr>
+          <p:nvPr/>
+        </p:nvPicPr>
+        <p:blipFill>
+          <a:blip r:embed="rId3" cstate="print"/>
+          <a:srcRect/>
+          <a:stretch>
+            <a:fillRect/>
+          </a:stretch>
+        </p:blipFill>
+        <p:spPr bwMode="auto">
+          <a:xfrm>
+            <a:off x="228600" y="2590800"/>
+            <a:ext cx="6858000" cy="3718952"/>
+          </a:xfrm>
+          <a:prstGeom prst="rect">
+            <a:avLst/>
+          </a:prstGeom>
+          <a:noFill/>
+          <a:ln w="9525">
+            <a:noFill/>
+            <a:miter lim="800000"/>
+            <a:headEnd/>
+            <a:tailEnd/>
+          </a:ln>
+        </p:spPr>
+      </p:pic>
+    </p:spTree>
+  </p:cSld>
+  <p:clrMapOvr>
+    <a:masterClrMapping/>
+  </p:clrMapOvr>
+  <p:timing>
+    <p:tnLst>
+      <p:par>
+        <p:cTn id="1" dur="indefinite" restart="never" nodeType="tmRoot"/>
+      </p:par>
+    </p:tnLst>
+  </p:timing>
+</p:sld>
+</file>
+
+<file path=ppt/slides/slide23.xml><?xml version="1.0" encoding="utf-8"?>
+<p:sld xmlns:a="http://schemas.openxmlformats.org/drawingml/2006/main" xmlns:r="http://schemas.openxmlformats.org/officeDocument/2006/relationships" xmlns:p="http://schemas.openxmlformats.org/presentationml/2006/main">
+  <p:cSld>
+    <p:spTree>
+      <p:nvGrpSpPr>
+        <p:cNvPr id="1" name=""/>
+        <p:cNvGrpSpPr/>
+        <p:nvPr/>
+      </p:nvGrpSpPr>
+      <p:grpSpPr>
+        <a:xfrm>
+          <a:off x="0" y="0"/>
+          <a:ext cx="0" cy="0"/>
+          <a:chOff x="0" y="0"/>
+          <a:chExt cx="0" cy="0"/>
+        </a:xfrm>
+      </p:grpSpPr>
+      <p:sp>
+        <p:nvSpPr>
+          <p:cNvPr id="2" name="Title 1"/>
+          <p:cNvSpPr>
+            <a:spLocks noGrp="1"/>
+          </p:cNvSpPr>
+          <p:nvPr>
+            <p:ph type="ctrTitle"/>
+          </p:nvPr>
+        </p:nvSpPr>
+        <p:spPr>
+          <a:xfrm>
+            <a:off x="838200" y="-304800"/>
+            <a:ext cx="6553200" cy="1470025"/>
+          </a:xfrm>
+        </p:spPr>
+        <p:txBody>
+          <a:bodyPr>
+            <a:normAutofit/>
+          </a:bodyPr>
+          <a:lstStyle/>
+          <a:p>
+            <a:r>
+              <a:rPr lang="en-US" sz="3600" b="1" dirty="0" smtClean="0"/>
+              <a:t>          A MapReduce example</a:t>
+            </a:r>
+            <a:endParaRPr lang="en-US" sz="3600" b="1" dirty="0"/>
+          </a:p>
+        </p:txBody>
+      </p:sp>
+      <p:sp>
+        <p:nvSpPr>
+          <p:cNvPr id="5" name="Footer Placeholder 4"/>
+          <p:cNvSpPr>
+            <a:spLocks noGrp="1"/>
+          </p:cNvSpPr>
+          <p:nvPr>
+            <p:ph type="ftr" sz="quarter" idx="11"/>
+          </p:nvPr>
+        </p:nvSpPr>
+        <p:spPr/>
+        <p:txBody>
+          <a:bodyPr/>
+          <a:lstStyle/>
+          <a:p>
+            <a:r>
+              <a:rPr lang="en-IN" dirty="0" err="1" smtClean="0"/>
+              <a:t>Kafal</a:t>
+            </a:r>
+            <a:r>
+              <a:rPr lang="en-IN" dirty="0" smtClean="0"/>
+              <a:t> Software Pvt Ltd, 2017 : All Rights Reserved </a:t>
+            </a:r>
+            <a:endParaRPr lang="en-US" dirty="0"/>
+          </a:p>
+        </p:txBody>
+      </p:sp>
+      <p:pic>
+        <p:nvPicPr>
+          <p:cNvPr id="8194" name="Picture 2"/>
+          <p:cNvPicPr>
+            <a:picLocks noChangeAspect="1" noChangeArrowheads="1"/>
+          </p:cNvPicPr>
+          <p:nvPr/>
+        </p:nvPicPr>
+        <p:blipFill>
+          <a:blip r:embed="rId3" cstate="print"/>
+          <a:srcRect/>
+          <a:stretch>
+            <a:fillRect/>
+          </a:stretch>
+        </p:blipFill>
+        <p:spPr bwMode="auto">
+          <a:xfrm>
+            <a:off x="381000" y="914399"/>
+            <a:ext cx="3657600" cy="2477439"/>
+          </a:xfrm>
+          <a:prstGeom prst="rect">
+            <a:avLst/>
+          </a:prstGeom>
+          <a:noFill/>
+          <a:ln w="9525">
+            <a:noFill/>
+            <a:miter lim="800000"/>
+            <a:headEnd/>
+            <a:tailEnd/>
+          </a:ln>
+        </p:spPr>
+      </p:pic>
+      <p:pic>
+        <p:nvPicPr>
+          <p:cNvPr id="8195" name="Picture 3"/>
+          <p:cNvPicPr>
+            <a:picLocks noChangeAspect="1" noChangeArrowheads="1"/>
+          </p:cNvPicPr>
+          <p:nvPr/>
+        </p:nvPicPr>
+        <p:blipFill>
+          <a:blip r:embed="rId4" cstate="print"/>
+          <a:srcRect/>
+          <a:stretch>
+            <a:fillRect/>
+          </a:stretch>
+        </p:blipFill>
+        <p:spPr bwMode="auto">
+          <a:xfrm>
+            <a:off x="4343400" y="838199"/>
+            <a:ext cx="3657600" cy="2535063"/>
+          </a:xfrm>
+          <a:prstGeom prst="rect">
+            <a:avLst/>
+          </a:prstGeom>
+          <a:noFill/>
+          <a:ln w="9525">
+            <a:noFill/>
+            <a:miter lim="800000"/>
+            <a:headEnd/>
+            <a:tailEnd/>
+          </a:ln>
+        </p:spPr>
+      </p:pic>
+      <p:pic>
+        <p:nvPicPr>
+          <p:cNvPr id="8196" name="Picture 4"/>
+          <p:cNvPicPr>
+            <a:picLocks noChangeAspect="1" noChangeArrowheads="1"/>
+          </p:cNvPicPr>
+          <p:nvPr/>
+        </p:nvPicPr>
+        <p:blipFill>
+          <a:blip r:embed="rId5" cstate="print"/>
+          <a:srcRect/>
+          <a:stretch>
+            <a:fillRect/>
+          </a:stretch>
+        </p:blipFill>
+        <p:spPr bwMode="auto">
+          <a:xfrm>
+            <a:off x="228600" y="3733800"/>
+            <a:ext cx="3987610" cy="2438400"/>
+          </a:xfrm>
+          <a:prstGeom prst="rect">
+            <a:avLst/>
+          </a:prstGeom>
+          <a:noFill/>
+          <a:ln w="9525">
+            <a:noFill/>
+            <a:miter lim="800000"/>
+            <a:headEnd/>
+            <a:tailEnd/>
+          </a:ln>
+        </p:spPr>
+      </p:pic>
+      <p:pic>
+        <p:nvPicPr>
+          <p:cNvPr id="8197" name="Picture 5"/>
+          <p:cNvPicPr>
+            <a:picLocks noChangeAspect="1" noChangeArrowheads="1"/>
+          </p:cNvPicPr>
+          <p:nvPr/>
+        </p:nvPicPr>
+        <p:blipFill>
+          <a:blip r:embed="rId6" cstate="print"/>
+          <a:srcRect/>
+          <a:stretch>
+            <a:fillRect/>
+          </a:stretch>
+        </p:blipFill>
+        <p:spPr bwMode="auto">
+          <a:xfrm>
+            <a:off x="3962400" y="3657600"/>
+            <a:ext cx="4991100" cy="2600325"/>
+          </a:xfrm>
+          <a:prstGeom prst="rect">
+            <a:avLst/>
+          </a:prstGeom>
+          <a:noFill/>
+          <a:ln w="9525">
+            <a:noFill/>
+            <a:miter lim="800000"/>
+            <a:headEnd/>
+            <a:tailEnd/>
+          </a:ln>
+        </p:spPr>
+      </p:pic>
+    </p:spTree>
+  </p:cSld>
+  <p:clrMapOvr>
+    <a:masterClrMapping/>
+  </p:clrMapOvr>
+  <p:timing>
+    <p:tnLst>
+      <p:par>
+        <p:cTn id="1" dur="indefinite" restart="never" nodeType="tmRoot"/>
+      </p:par>
+    </p:tnLst>
+  </p:timing>
+</p:sld>
+</file>
+
+<file path=ppt/slides/slide24.xml><?xml version="1.0" encoding="utf-8"?>
+<p:sld xmlns:a="http://schemas.openxmlformats.org/drawingml/2006/main" xmlns:r="http://schemas.openxmlformats.org/officeDocument/2006/relationships" xmlns:p="http://schemas.openxmlformats.org/presentationml/2006/main">
+  <p:cSld>
+    <p:spTree>
+      <p:nvGrpSpPr>
+        <p:cNvPr id="1" name=""/>
+        <p:cNvGrpSpPr/>
+        <p:nvPr/>
+      </p:nvGrpSpPr>
+      <p:grpSpPr>
+        <a:xfrm>
+          <a:off x="0" y="0"/>
+          <a:ext cx="0" cy="0"/>
+          <a:chOff x="0" y="0"/>
+          <a:chExt cx="0" cy="0"/>
+        </a:xfrm>
+      </p:grpSpPr>
+      <p:sp>
+        <p:nvSpPr>
+          <p:cNvPr id="2" name="Title 1"/>
+          <p:cNvSpPr>
+            <a:spLocks noGrp="1"/>
+          </p:cNvSpPr>
+          <p:nvPr>
+            <p:ph type="ctrTitle"/>
+          </p:nvPr>
+        </p:nvSpPr>
+        <p:spPr>
+          <a:xfrm>
+            <a:off x="838200" y="-304800"/>
+            <a:ext cx="6553200" cy="1470025"/>
+          </a:xfrm>
+        </p:spPr>
+        <p:txBody>
+          <a:bodyPr>
+            <a:normAutofit/>
+          </a:bodyPr>
+          <a:lstStyle/>
+          <a:p>
+            <a:r>
+              <a:rPr lang="en-US" sz="3600" b="1" dirty="0" smtClean="0"/>
+              <a:t>          A MapReduce example</a:t>
+            </a:r>
+            <a:endParaRPr lang="en-US" sz="3600" b="1" dirty="0"/>
+          </a:p>
+        </p:txBody>
+      </p:sp>
+      <p:sp>
+        <p:nvSpPr>
+          <p:cNvPr id="5" name="Footer Placeholder 4"/>
+          <p:cNvSpPr>
+            <a:spLocks noGrp="1"/>
+          </p:cNvSpPr>
+          <p:nvPr>
+            <p:ph type="ftr" sz="quarter" idx="11"/>
+          </p:nvPr>
+        </p:nvSpPr>
+        <p:spPr/>
+        <p:txBody>
+          <a:bodyPr/>
+          <a:lstStyle/>
+          <a:p>
+            <a:r>
+              <a:rPr lang="en-IN" dirty="0" err="1" smtClean="0"/>
+              <a:t>Kafal</a:t>
+            </a:r>
+            <a:r>
+              <a:rPr lang="en-IN" dirty="0" smtClean="0"/>
+              <a:t> Software Pvt Ltd, 2017 : All Rights Reserved </a:t>
+            </a:r>
+            <a:endParaRPr lang="en-US" dirty="0"/>
+          </a:p>
+        </p:txBody>
+      </p:sp>
+      <p:pic>
+        <p:nvPicPr>
+          <p:cNvPr id="8194" name="Picture 2"/>
+          <p:cNvPicPr>
+            <a:picLocks noChangeAspect="1" noChangeArrowheads="1"/>
+          </p:cNvPicPr>
+          <p:nvPr/>
+        </p:nvPicPr>
+        <p:blipFill>
+          <a:blip r:embed="rId3" cstate="print"/>
+          <a:srcRect/>
+          <a:stretch>
+            <a:fillRect/>
+          </a:stretch>
+        </p:blipFill>
+        <p:spPr bwMode="auto">
+          <a:xfrm>
+            <a:off x="2819400" y="762000"/>
+            <a:ext cx="3962400" cy="2683892"/>
+          </a:xfrm>
+          <a:prstGeom prst="rect">
+            <a:avLst/>
+          </a:prstGeom>
+          <a:noFill/>
+          <a:ln w="9525">
+            <a:noFill/>
+            <a:miter lim="800000"/>
+            <a:headEnd/>
+            <a:tailEnd/>
+          </a:ln>
+        </p:spPr>
+      </p:pic>
+      <p:pic>
+        <p:nvPicPr>
+          <p:cNvPr id="9218" name="Picture 2"/>
+          <p:cNvPicPr>
+            <a:picLocks noChangeAspect="1" noChangeArrowheads="1"/>
+          </p:cNvPicPr>
+          <p:nvPr/>
+        </p:nvPicPr>
+        <p:blipFill>
+          <a:blip r:embed="rId4" cstate="print"/>
+          <a:srcRect/>
+          <a:stretch>
+            <a:fillRect/>
+          </a:stretch>
+        </p:blipFill>
+        <p:spPr bwMode="auto">
+          <a:xfrm>
+            <a:off x="1066800" y="3657600"/>
+            <a:ext cx="6899841" cy="2819400"/>
+          </a:xfrm>
+          <a:prstGeom prst="rect">
+            <a:avLst/>
+          </a:prstGeom>
+          <a:noFill/>
+          <a:ln w="9525">
+            <a:noFill/>
+            <a:miter lim="800000"/>
+            <a:headEnd/>
+            <a:tailEnd/>
+          </a:ln>
+        </p:spPr>
+      </p:pic>
+    </p:spTree>
+  </p:cSld>
+  <p:clrMapOvr>
+    <a:masterClrMapping/>
+  </p:clrMapOvr>
+  <p:timing>
+    <p:tnLst>
+      <p:par>
+        <p:cTn id="1" dur="indefinite" restart="never" nodeType="tmRoot"/>
+      </p:par>
+    </p:tnLst>
+  </p:timing>
+</p:sld>
+</file>
+
+<file path=ppt/slides/slide25.xml><?xml version="1.0" encoding="utf-8"?>
+<p:sld xmlns:a="http://schemas.openxmlformats.org/drawingml/2006/main" xmlns:r="http://schemas.openxmlformats.org/officeDocument/2006/relationships" xmlns:p="http://schemas.openxmlformats.org/presentationml/2006/main">
+  <p:cSld>
+    <p:spTree>
+      <p:nvGrpSpPr>
+        <p:cNvPr id="1" name=""/>
+        <p:cNvGrpSpPr/>
+        <p:nvPr/>
+      </p:nvGrpSpPr>
+      <p:grpSpPr>
+        <a:xfrm>
+          <a:off x="0" y="0"/>
+          <a:ext cx="0" cy="0"/>
+          <a:chOff x="0" y="0"/>
+          <a:chExt cx="0" cy="0"/>
+        </a:xfrm>
+      </p:grpSpPr>
+      <p:sp>
+        <p:nvSpPr>
+          <p:cNvPr id="2" name="Title 1"/>
+          <p:cNvSpPr>
+            <a:spLocks noGrp="1"/>
+          </p:cNvSpPr>
+          <p:nvPr>
+            <p:ph type="ctrTitle"/>
+          </p:nvPr>
+        </p:nvSpPr>
+        <p:spPr>
+          <a:xfrm>
+            <a:off x="838200" y="-304800"/>
+            <a:ext cx="6553200" cy="1470025"/>
+          </a:xfrm>
+        </p:spPr>
+        <p:txBody>
+          <a:bodyPr>
+            <a:normAutofit/>
+          </a:bodyPr>
+          <a:lstStyle/>
+          <a:p>
+            <a:r>
+              <a:rPr lang="en-US" sz="3600" b="1" dirty="0" smtClean="0"/>
+              <a:t>          Hadoop Ecosystem</a:t>
+            </a:r>
+            <a:endParaRPr lang="en-US" sz="3600" b="1" dirty="0"/>
+          </a:p>
+        </p:txBody>
+      </p:sp>
+      <p:sp>
+        <p:nvSpPr>
+          <p:cNvPr id="5" name="Footer Placeholder 4"/>
+          <p:cNvSpPr>
+            <a:spLocks noGrp="1"/>
+          </p:cNvSpPr>
+          <p:nvPr>
+            <p:ph type="ftr" sz="quarter" idx="11"/>
+          </p:nvPr>
+        </p:nvSpPr>
+        <p:spPr/>
+        <p:txBody>
+          <a:bodyPr/>
+          <a:lstStyle/>
+          <a:p>
+            <a:r>
+              <a:rPr lang="en-IN" dirty="0" err="1" smtClean="0"/>
+              <a:t>Kafal</a:t>
+            </a:r>
+            <a:r>
+              <a:rPr lang="en-IN" dirty="0" smtClean="0"/>
+              <a:t> Software Pvt Ltd, 2017 : All Rights Reserved </a:t>
+            </a:r>
+            <a:endParaRPr lang="en-US" dirty="0"/>
+          </a:p>
+        </p:txBody>
+      </p:sp>
+    </p:spTree>
+  </p:cSld>
+  <p:clrMapOvr>
+    <a:masterClrMapping/>
+  </p:clrMapOvr>
+  <p:timing>
+    <p:tnLst>
+      <p:par>
+        <p:cTn id="1" dur="indefinite" restart="never" nodeType="tmRoot"/>
+      </p:par>
+    </p:tnLst>
+  </p:timing>
+</p:sld>
+</file>
+
+<file path=ppt/slides/slide26.xml><?xml version="1.0" encoding="utf-8"?>
 <p:sld xmlns:a="http://schemas.openxmlformats.org/drawingml/2006/main" xmlns:r="http://schemas.openxmlformats.org/officeDocument/2006/relationships" xmlns:p="http://schemas.openxmlformats.org/presentationml/2006/main">
   <p:cSld>
     <p:spTree>
@@ -12622,7 +14260,7 @@
 </p:sld>
 </file>
 
-<file path=ppt/slides/slide22.xml><?xml version="1.0" encoding="utf-8"?>
+<file path=ppt/slides/slide27.xml><?xml version="1.0" encoding="utf-8"?>
 <p:sld xmlns:a="http://schemas.openxmlformats.org/drawingml/2006/main" xmlns:r="http://schemas.openxmlformats.org/officeDocument/2006/relationships" xmlns:p="http://schemas.openxmlformats.org/presentationml/2006/main">
   <p:cSld>
     <p:spTree>
@@ -12745,7 +14383,7 @@
 </p:sld>
 </file>
 
-<file path=ppt/slides/slide23.xml><?xml version="1.0" encoding="utf-8"?>
+<file path=ppt/slides/slide28.xml><?xml version="1.0" encoding="utf-8"?>
 <p:sld xmlns:a="http://schemas.openxmlformats.org/drawingml/2006/main" xmlns:r="http://schemas.openxmlformats.org/officeDocument/2006/relationships" xmlns:p="http://schemas.openxmlformats.org/presentationml/2006/main">
   <p:cSld>
     <p:spTree>
@@ -12868,7 +14506,7 @@
 </p:sld>
 </file>
 
-<file path=ppt/slides/slide24.xml><?xml version="1.0" encoding="utf-8"?>
+<file path=ppt/slides/slide29.xml><?xml version="1.0" encoding="utf-8"?>
 <p:sld xmlns:a="http://schemas.openxmlformats.org/drawingml/2006/main" xmlns:r="http://schemas.openxmlformats.org/officeDocument/2006/relationships" xmlns:p="http://schemas.openxmlformats.org/presentationml/2006/main">
   <p:cSld>
     <p:spTree>
@@ -12972,1029 +14610,6 @@
             <a:headEnd/>
             <a:tailEnd/>
           </a:ln>
-        </p:spPr>
-      </p:pic>
-    </p:spTree>
-  </p:cSld>
-  <p:clrMapOvr>
-    <a:masterClrMapping/>
-  </p:clrMapOvr>
-  <p:timing>
-    <p:tnLst>
-      <p:par>
-        <p:cTn id="1" dur="indefinite" restart="never" nodeType="tmRoot"/>
-      </p:par>
-    </p:tnLst>
-  </p:timing>
-</p:sld>
-</file>
-
-<file path=ppt/slides/slide25.xml><?xml version="1.0" encoding="utf-8"?>
-<p:sld xmlns:a="http://schemas.openxmlformats.org/drawingml/2006/main" xmlns:r="http://schemas.openxmlformats.org/officeDocument/2006/relationships" xmlns:p="http://schemas.openxmlformats.org/presentationml/2006/main">
-  <p:cSld>
-    <p:spTree>
-      <p:nvGrpSpPr>
-        <p:cNvPr id="1" name=""/>
-        <p:cNvGrpSpPr/>
-        <p:nvPr/>
-      </p:nvGrpSpPr>
-      <p:grpSpPr>
-        <a:xfrm>
-          <a:off x="0" y="0"/>
-          <a:ext cx="0" cy="0"/>
-          <a:chOff x="0" y="0"/>
-          <a:chExt cx="0" cy="0"/>
-        </a:xfrm>
-      </p:grpSpPr>
-      <p:sp>
-        <p:nvSpPr>
-          <p:cNvPr id="2" name="Title 1"/>
-          <p:cNvSpPr>
-            <a:spLocks noGrp="1"/>
-          </p:cNvSpPr>
-          <p:nvPr>
-            <p:ph type="ctrTitle"/>
-          </p:nvPr>
-        </p:nvSpPr>
-        <p:spPr>
-          <a:xfrm>
-            <a:off x="1143000" y="-304800"/>
-            <a:ext cx="6553200" cy="1470025"/>
-          </a:xfrm>
-        </p:spPr>
-        <p:txBody>
-          <a:bodyPr>
-            <a:normAutofit/>
-          </a:bodyPr>
-          <a:lstStyle/>
-          <a:p>
-            <a:r>
-              <a:rPr lang="en-US" sz="3600" b="1" dirty="0" smtClean="0"/>
-              <a:t>Batch vs. Real-time processing</a:t>
-            </a:r>
-            <a:endParaRPr lang="en-US" sz="3600" b="1" dirty="0"/>
-          </a:p>
-        </p:txBody>
-      </p:sp>
-      <p:sp>
-        <p:nvSpPr>
-          <p:cNvPr id="5" name="Footer Placeholder 4"/>
-          <p:cNvSpPr>
-            <a:spLocks noGrp="1"/>
-          </p:cNvSpPr>
-          <p:nvPr>
-            <p:ph type="ftr" sz="quarter" idx="11"/>
-          </p:nvPr>
-        </p:nvSpPr>
-        <p:spPr/>
-        <p:txBody>
-          <a:bodyPr/>
-          <a:lstStyle/>
-          <a:p>
-            <a:r>
-              <a:rPr lang="en-IN" dirty="0" err="1" smtClean="0"/>
-              <a:t>Kafal</a:t>
-            </a:r>
-            <a:r>
-              <a:rPr lang="en-IN" dirty="0" smtClean="0"/>
-              <a:t> Software Pvt Ltd, 2017 : All Rights Reserved </a:t>
-            </a:r>
-            <a:endParaRPr lang="en-US" dirty="0"/>
-          </a:p>
-        </p:txBody>
-      </p:sp>
-      <p:sp>
-        <p:nvSpPr>
-          <p:cNvPr id="6" name="TextBox 5"/>
-          <p:cNvSpPr txBox="1"/>
-          <p:nvPr/>
-        </p:nvSpPr>
-        <p:spPr>
-          <a:xfrm>
-            <a:off x="228600" y="1143000"/>
-            <a:ext cx="8458200" cy="3139321"/>
-          </a:xfrm>
-          <a:prstGeom prst="rect">
-            <a:avLst/>
-          </a:prstGeom>
-          <a:noFill/>
-        </p:spPr>
-        <p:txBody>
-          <a:bodyPr wrap="square" rtlCol="0">
-            <a:spAutoFit/>
-          </a:bodyPr>
-          <a:lstStyle/>
-          <a:p>
-            <a:r>
-              <a:rPr lang="en-US" sz="2200" b="1" dirty="0" smtClean="0">
-                <a:latin typeface="Book Antiqua" pitchFamily="18" charset="0"/>
-              </a:rPr>
-              <a:t>Real-time processing  </a:t>
-            </a:r>
-          </a:p>
-          <a:p>
-            <a:pPr>
-              <a:buFont typeface="Arial" pitchFamily="34" charset="0"/>
-              <a:buChar char="•"/>
-            </a:pPr>
-            <a:r>
-              <a:rPr lang="en-US" sz="2200" dirty="0" smtClean="0">
-                <a:latin typeface="Book Antiqua" pitchFamily="18" charset="0"/>
-              </a:rPr>
-              <a:t> Continual input, process and output of data</a:t>
-            </a:r>
-          </a:p>
-          <a:p>
-            <a:pPr>
-              <a:buFont typeface="Arial" pitchFamily="34" charset="0"/>
-              <a:buChar char="•"/>
-            </a:pPr>
-            <a:r>
-              <a:rPr lang="en-US" sz="2200" dirty="0" smtClean="0">
-                <a:latin typeface="Book Antiqua" pitchFamily="18" charset="0"/>
-              </a:rPr>
-              <a:t>  Data processing time in fraction of seconds (Smaller volume of data than batch processing is involved)</a:t>
-            </a:r>
-          </a:p>
-          <a:p>
-            <a:pPr>
-              <a:buFont typeface="Arial" pitchFamily="34" charset="0"/>
-              <a:buChar char="•"/>
-            </a:pPr>
-            <a:r>
-              <a:rPr lang="en-US" sz="2200" dirty="0" smtClean="0">
-                <a:latin typeface="Book Antiqua" pitchFamily="18" charset="0"/>
-              </a:rPr>
-              <a:t>  Suitable in scenarios where real-time insights are required to take decisions (</a:t>
-            </a:r>
-            <a:r>
-              <a:rPr lang="en-US" sz="2200" b="1" dirty="0" smtClean="0">
-                <a:latin typeface="Book Antiqua" pitchFamily="18" charset="0"/>
-              </a:rPr>
-              <a:t>Examples: Flights delay data monitoring, Fraudulent transaction monitoring, Credit card thefts etc</a:t>
-            </a:r>
-            <a:r>
-              <a:rPr lang="en-US" sz="2200" dirty="0" smtClean="0">
-                <a:latin typeface="Book Antiqua" pitchFamily="18" charset="0"/>
-              </a:rPr>
-              <a:t>)</a:t>
-            </a:r>
-          </a:p>
-          <a:p>
-            <a:pPr>
-              <a:buFont typeface="Arial" pitchFamily="34" charset="0"/>
-              <a:buChar char="•"/>
-            </a:pPr>
-            <a:r>
-              <a:rPr lang="en-US" sz="2200" b="1" dirty="0" smtClean="0">
-                <a:latin typeface="Book Antiqua" pitchFamily="18" charset="0"/>
-              </a:rPr>
-              <a:t> Apache Spark is suitable for both batch and real-time processing</a:t>
-            </a:r>
-          </a:p>
-        </p:txBody>
-      </p:sp>
-    </p:spTree>
-  </p:cSld>
-  <p:clrMapOvr>
-    <a:masterClrMapping/>
-  </p:clrMapOvr>
-  <p:timing>
-    <p:tnLst>
-      <p:par>
-        <p:cTn id="1" dur="indefinite" restart="never" nodeType="tmRoot"/>
-      </p:par>
-    </p:tnLst>
-  </p:timing>
-</p:sld>
-</file>
-
-<file path=ppt/slides/slide26.xml><?xml version="1.0" encoding="utf-8"?>
-<p:sld xmlns:a="http://schemas.openxmlformats.org/drawingml/2006/main" xmlns:r="http://schemas.openxmlformats.org/officeDocument/2006/relationships" xmlns:p="http://schemas.openxmlformats.org/presentationml/2006/main">
-  <p:cSld>
-    <p:spTree>
-      <p:nvGrpSpPr>
-        <p:cNvPr id="1" name=""/>
-        <p:cNvGrpSpPr/>
-        <p:nvPr/>
-      </p:nvGrpSpPr>
-      <p:grpSpPr>
-        <a:xfrm>
-          <a:off x="0" y="0"/>
-          <a:ext cx="0" cy="0"/>
-          <a:chOff x="0" y="0"/>
-          <a:chExt cx="0" cy="0"/>
-        </a:xfrm>
-      </p:grpSpPr>
-      <p:sp>
-        <p:nvSpPr>
-          <p:cNvPr id="2" name="Title 1"/>
-          <p:cNvSpPr>
-            <a:spLocks noGrp="1"/>
-          </p:cNvSpPr>
-          <p:nvPr>
-            <p:ph type="ctrTitle"/>
-          </p:nvPr>
-        </p:nvSpPr>
-        <p:spPr>
-          <a:xfrm>
-            <a:off x="1143000" y="-304800"/>
-            <a:ext cx="6553200" cy="1470025"/>
-          </a:xfrm>
-        </p:spPr>
-        <p:txBody>
-          <a:bodyPr>
-            <a:normAutofit/>
-          </a:bodyPr>
-          <a:lstStyle/>
-          <a:p>
-            <a:r>
-              <a:rPr lang="en-US" sz="3600" b="1" dirty="0" smtClean="0"/>
-              <a:t>Spark vs. Hadoop: Why Spark?</a:t>
-            </a:r>
-            <a:endParaRPr lang="en-US" sz="3600" b="1" dirty="0"/>
-          </a:p>
-        </p:txBody>
-      </p:sp>
-      <p:sp>
-        <p:nvSpPr>
-          <p:cNvPr id="5" name="Footer Placeholder 4"/>
-          <p:cNvSpPr>
-            <a:spLocks noGrp="1"/>
-          </p:cNvSpPr>
-          <p:nvPr>
-            <p:ph type="ftr" sz="quarter" idx="11"/>
-          </p:nvPr>
-        </p:nvSpPr>
-        <p:spPr/>
-        <p:txBody>
-          <a:bodyPr/>
-          <a:lstStyle/>
-          <a:p>
-            <a:r>
-              <a:rPr lang="en-IN" dirty="0" err="1" smtClean="0"/>
-              <a:t>Kafal</a:t>
-            </a:r>
-            <a:r>
-              <a:rPr lang="en-IN" dirty="0" smtClean="0"/>
-              <a:t> Software Pvt Ltd, 2017 : All Rights Reserved </a:t>
-            </a:r>
-            <a:endParaRPr lang="en-US" dirty="0"/>
-          </a:p>
-        </p:txBody>
-      </p:sp>
-      <p:sp>
-        <p:nvSpPr>
-          <p:cNvPr id="6" name="TextBox 5"/>
-          <p:cNvSpPr txBox="1"/>
-          <p:nvPr/>
-        </p:nvSpPr>
-        <p:spPr>
-          <a:xfrm>
-            <a:off x="228600" y="1143000"/>
-            <a:ext cx="8458200" cy="5509200"/>
-          </a:xfrm>
-          <a:prstGeom prst="rect">
-            <a:avLst/>
-          </a:prstGeom>
-          <a:noFill/>
-        </p:spPr>
-        <p:txBody>
-          <a:bodyPr wrap="square" rtlCol="0">
-            <a:spAutoFit/>
-          </a:bodyPr>
-          <a:lstStyle/>
-          <a:p>
-            <a:pPr algn="just">
-              <a:buFont typeface="Arial" pitchFamily="34" charset="0"/>
-              <a:buChar char="•"/>
-            </a:pPr>
-            <a:r>
-              <a:rPr lang="en-US" sz="2200" dirty="0" smtClean="0">
-                <a:latin typeface="Book Antiqua" pitchFamily="18" charset="0"/>
-              </a:rPr>
-              <a:t> Hadoop Map Reduce is limited to Batch processing</a:t>
-            </a:r>
-          </a:p>
-          <a:p>
-            <a:pPr algn="just">
-              <a:buFont typeface="Arial" pitchFamily="34" charset="0"/>
-              <a:buChar char="•"/>
-            </a:pPr>
-            <a:r>
-              <a:rPr lang="en-US" sz="2200" dirty="0" smtClean="0">
-                <a:latin typeface="Book Antiqua" pitchFamily="18" charset="0"/>
-              </a:rPr>
-              <a:t> Hadoop Map Reduce is fast but not fast enough</a:t>
-            </a:r>
-          </a:p>
-          <a:p>
-            <a:pPr algn="just"/>
-            <a:endParaRPr lang="en-US" sz="2200" dirty="0" smtClean="0">
-              <a:latin typeface="Book Antiqua" pitchFamily="18" charset="0"/>
-            </a:endParaRPr>
-          </a:p>
-          <a:p>
-            <a:pPr algn="just">
-              <a:buFont typeface="Arial" pitchFamily="34" charset="0"/>
-              <a:buChar char="•"/>
-            </a:pPr>
-            <a:r>
-              <a:rPr lang="en-US" sz="2200" dirty="0" smtClean="0">
-                <a:latin typeface="Book Antiqua" pitchFamily="18" charset="0"/>
-              </a:rPr>
-              <a:t> </a:t>
-            </a:r>
-            <a:r>
-              <a:rPr lang="en-US" sz="2200" b="1" dirty="0" smtClean="0">
-                <a:latin typeface="Book Antiqua" pitchFamily="18" charset="0"/>
-              </a:rPr>
-              <a:t>Apache Spark is a general purpose fast in-memory cluster computing system  (good for both Batch and Real-time processing) – It is faster than Hadoop Map Reduce (100x faster)</a:t>
-            </a:r>
-          </a:p>
-          <a:p>
-            <a:pPr algn="just"/>
-            <a:endParaRPr lang="en-US" sz="2200" b="1" dirty="0" smtClean="0">
-              <a:latin typeface="Book Antiqua" pitchFamily="18" charset="0"/>
-            </a:endParaRPr>
-          </a:p>
-          <a:p>
-            <a:pPr algn="just">
-              <a:buFont typeface="Arial" pitchFamily="34" charset="0"/>
-              <a:buChar char="•"/>
-            </a:pPr>
-            <a:r>
-              <a:rPr lang="en-US" sz="2200" b="1" dirty="0" smtClean="0">
-                <a:latin typeface="Book Antiqua" pitchFamily="18" charset="0"/>
-              </a:rPr>
-              <a:t> Apache Spark provides high level programming APIs in many languages – Scala, Java, Python, R</a:t>
-            </a:r>
-          </a:p>
-          <a:p>
-            <a:pPr algn="just">
-              <a:buFont typeface="Arial" pitchFamily="34" charset="0"/>
-              <a:buChar char="•"/>
-            </a:pPr>
-            <a:endParaRPr lang="en-US" sz="2200" b="1" dirty="0" smtClean="0">
-              <a:latin typeface="Book Antiqua" pitchFamily="18" charset="0"/>
-            </a:endParaRPr>
-          </a:p>
-          <a:p>
-            <a:pPr algn="just">
-              <a:buFont typeface="Arial" pitchFamily="34" charset="0"/>
-              <a:buChar char="•"/>
-            </a:pPr>
-            <a:r>
-              <a:rPr lang="en-US" sz="2200" b="1" dirty="0" smtClean="0">
-                <a:latin typeface="Book Antiqua" pitchFamily="18" charset="0"/>
-              </a:rPr>
-              <a:t> Apache Spark is built on Scala (so Scala is a good choice for programming in Spark)</a:t>
-            </a:r>
-          </a:p>
-          <a:p>
-            <a:endParaRPr lang="en-US" sz="2200" dirty="0" smtClean="0">
-              <a:latin typeface="Book Antiqua" pitchFamily="18" charset="0"/>
-            </a:endParaRPr>
-          </a:p>
-          <a:p>
-            <a:endParaRPr lang="en-US" sz="2200" dirty="0" smtClean="0">
-              <a:latin typeface="Book Antiqua" pitchFamily="18" charset="0"/>
-            </a:endParaRPr>
-          </a:p>
-          <a:p>
-            <a:endParaRPr lang="en-US" sz="2200" dirty="0" smtClean="0">
-              <a:latin typeface="Book Antiqua" pitchFamily="18" charset="0"/>
-            </a:endParaRPr>
-          </a:p>
-          <a:p>
-            <a:endParaRPr lang="en-US" sz="2200" dirty="0">
-              <a:latin typeface="Book Antiqua" pitchFamily="18" charset="0"/>
-            </a:endParaRPr>
-          </a:p>
-        </p:txBody>
-      </p:sp>
-    </p:spTree>
-  </p:cSld>
-  <p:clrMapOvr>
-    <a:masterClrMapping/>
-  </p:clrMapOvr>
-  <p:timing>
-    <p:tnLst>
-      <p:par>
-        <p:cTn id="1" dur="indefinite" restart="never" nodeType="tmRoot"/>
-      </p:par>
-    </p:tnLst>
-  </p:timing>
-</p:sld>
-</file>
-
-<file path=ppt/slides/slide27.xml><?xml version="1.0" encoding="utf-8"?>
-<p:sld xmlns:a="http://schemas.openxmlformats.org/drawingml/2006/main" xmlns:r="http://schemas.openxmlformats.org/officeDocument/2006/relationships" xmlns:p="http://schemas.openxmlformats.org/presentationml/2006/main">
-  <p:cSld>
-    <p:spTree>
-      <p:nvGrpSpPr>
-        <p:cNvPr id="1" name=""/>
-        <p:cNvGrpSpPr/>
-        <p:nvPr/>
-      </p:nvGrpSpPr>
-      <p:grpSpPr>
-        <a:xfrm>
-          <a:off x="0" y="0"/>
-          <a:ext cx="0" cy="0"/>
-          <a:chOff x="0" y="0"/>
-          <a:chExt cx="0" cy="0"/>
-        </a:xfrm>
-      </p:grpSpPr>
-      <p:sp>
-        <p:nvSpPr>
-          <p:cNvPr id="2" name="Title 1"/>
-          <p:cNvSpPr>
-            <a:spLocks noGrp="1"/>
-          </p:cNvSpPr>
-          <p:nvPr>
-            <p:ph type="ctrTitle"/>
-          </p:nvPr>
-        </p:nvSpPr>
-        <p:spPr>
-          <a:xfrm>
-            <a:off x="1143000" y="-304800"/>
-            <a:ext cx="6553200" cy="1470025"/>
-          </a:xfrm>
-        </p:spPr>
-        <p:txBody>
-          <a:bodyPr>
-            <a:normAutofit/>
-          </a:bodyPr>
-          <a:lstStyle/>
-          <a:p>
-            <a:r>
-              <a:rPr lang="en-US" sz="3600" b="1" dirty="0" smtClean="0"/>
-              <a:t>Spark architecture</a:t>
-            </a:r>
-            <a:endParaRPr lang="en-US" sz="3600" b="1" dirty="0"/>
-          </a:p>
-        </p:txBody>
-      </p:sp>
-      <p:sp>
-        <p:nvSpPr>
-          <p:cNvPr id="5" name="Footer Placeholder 4"/>
-          <p:cNvSpPr>
-            <a:spLocks noGrp="1"/>
-          </p:cNvSpPr>
-          <p:nvPr>
-            <p:ph type="ftr" sz="quarter" idx="11"/>
-          </p:nvPr>
-        </p:nvSpPr>
-        <p:spPr/>
-        <p:txBody>
-          <a:bodyPr/>
-          <a:lstStyle/>
-          <a:p>
-            <a:r>
-              <a:rPr lang="en-IN" dirty="0" err="1" smtClean="0"/>
-              <a:t>Kafal</a:t>
-            </a:r>
-            <a:r>
-              <a:rPr lang="en-IN" dirty="0" smtClean="0"/>
-              <a:t> Software Pvt Ltd, 2017 : All Rights Reserved </a:t>
-            </a:r>
-            <a:endParaRPr lang="en-US" dirty="0"/>
-          </a:p>
-        </p:txBody>
-      </p:sp>
-      <p:sp>
-        <p:nvSpPr>
-          <p:cNvPr id="6" name="TextBox 5"/>
-          <p:cNvSpPr txBox="1"/>
-          <p:nvPr/>
-        </p:nvSpPr>
-        <p:spPr>
-          <a:xfrm>
-            <a:off x="228600" y="1143000"/>
-            <a:ext cx="8458200" cy="430887"/>
-          </a:xfrm>
-          <a:prstGeom prst="rect">
-            <a:avLst/>
-          </a:prstGeom>
-          <a:noFill/>
-        </p:spPr>
-        <p:txBody>
-          <a:bodyPr wrap="square" rtlCol="0">
-            <a:spAutoFit/>
-          </a:bodyPr>
-          <a:lstStyle/>
-          <a:p>
-            <a:pPr algn="just"/>
-            <a:r>
-              <a:rPr lang="en-US" sz="2200" b="1" dirty="0" smtClean="0">
-                <a:latin typeface="Book Antiqua" pitchFamily="18" charset="0"/>
-              </a:rPr>
-              <a:t>Spark Components/ Libraries / APIs)</a:t>
-            </a:r>
-            <a:endParaRPr lang="en-US" sz="2200" dirty="0">
-              <a:latin typeface="Book Antiqua" pitchFamily="18" charset="0"/>
-            </a:endParaRPr>
-          </a:p>
-        </p:txBody>
-      </p:sp>
-      <p:pic>
-        <p:nvPicPr>
-          <p:cNvPr id="2050" name="Picture 2"/>
-          <p:cNvPicPr>
-            <a:picLocks noChangeAspect="1" noChangeArrowheads="1"/>
-          </p:cNvPicPr>
-          <p:nvPr/>
-        </p:nvPicPr>
-        <p:blipFill>
-          <a:blip r:embed="rId3" cstate="print"/>
-          <a:srcRect/>
-          <a:stretch>
-            <a:fillRect/>
-          </a:stretch>
-        </p:blipFill>
-        <p:spPr bwMode="auto">
-          <a:xfrm>
-            <a:off x="762000" y="1828800"/>
-            <a:ext cx="6903518" cy="2667000"/>
-          </a:xfrm>
-          <a:prstGeom prst="rect">
-            <a:avLst/>
-          </a:prstGeom>
-          <a:noFill/>
-          <a:ln w="9525">
-            <a:noFill/>
-            <a:miter lim="800000"/>
-            <a:headEnd/>
-            <a:tailEnd/>
-          </a:ln>
-          <a:effectLst/>
-        </p:spPr>
-      </p:pic>
-      <p:sp>
-        <p:nvSpPr>
-          <p:cNvPr id="2052" name="AutoShape 4" descr="Image result for spark components"/>
-          <p:cNvSpPr>
-            <a:spLocks noChangeAspect="1" noChangeArrowheads="1"/>
-          </p:cNvSpPr>
-          <p:nvPr/>
-        </p:nvSpPr>
-        <p:spPr bwMode="auto">
-          <a:xfrm>
-            <a:off x="155575" y="-144463"/>
-            <a:ext cx="304800" cy="304801"/>
-          </a:xfrm>
-          <a:prstGeom prst="rect">
-            <a:avLst/>
-          </a:prstGeom>
-          <a:noFill/>
-        </p:spPr>
-        <p:txBody>
-          <a:bodyPr vert="horz" wrap="square" lIns="91440" tIns="45720" rIns="91440" bIns="45720" numCol="1" anchor="t" anchorCtr="0" compatLnSpc="1">
-            <a:prstTxWarp prst="textNoShape">
-              <a:avLst/>
-            </a:prstTxWarp>
-          </a:bodyPr>
-          <a:lstStyle/>
-          <a:p>
-            <a:endParaRPr lang="en-US"/>
-          </a:p>
-        </p:txBody>
-      </p:sp>
-      <p:sp>
-        <p:nvSpPr>
-          <p:cNvPr id="2054" name="AutoShape 6" descr="Image result for spark components"/>
-          <p:cNvSpPr>
-            <a:spLocks noChangeAspect="1" noChangeArrowheads="1"/>
-          </p:cNvSpPr>
-          <p:nvPr/>
-        </p:nvSpPr>
-        <p:spPr bwMode="auto">
-          <a:xfrm>
-            <a:off x="155575" y="-144463"/>
-            <a:ext cx="304800" cy="304801"/>
-          </a:xfrm>
-          <a:prstGeom prst="rect">
-            <a:avLst/>
-          </a:prstGeom>
-          <a:noFill/>
-        </p:spPr>
-        <p:txBody>
-          <a:bodyPr vert="horz" wrap="square" lIns="91440" tIns="45720" rIns="91440" bIns="45720" numCol="1" anchor="t" anchorCtr="0" compatLnSpc="1">
-            <a:prstTxWarp prst="textNoShape">
-              <a:avLst/>
-            </a:prstTxWarp>
-          </a:bodyPr>
-          <a:lstStyle/>
-          <a:p>
-            <a:endParaRPr lang="en-US"/>
-          </a:p>
-        </p:txBody>
-      </p:sp>
-    </p:spTree>
-  </p:cSld>
-  <p:clrMapOvr>
-    <a:masterClrMapping/>
-  </p:clrMapOvr>
-  <p:timing>
-    <p:tnLst>
-      <p:par>
-        <p:cTn id="1" dur="indefinite" restart="never" nodeType="tmRoot"/>
-      </p:par>
-    </p:tnLst>
-  </p:timing>
-</p:sld>
-</file>
-
-<file path=ppt/slides/slide28.xml><?xml version="1.0" encoding="utf-8"?>
-<p:sld xmlns:a="http://schemas.openxmlformats.org/drawingml/2006/main" xmlns:r="http://schemas.openxmlformats.org/officeDocument/2006/relationships" xmlns:p="http://schemas.openxmlformats.org/presentationml/2006/main">
-  <p:cSld>
-    <p:spTree>
-      <p:nvGrpSpPr>
-        <p:cNvPr id="1" name=""/>
-        <p:cNvGrpSpPr/>
-        <p:nvPr/>
-      </p:nvGrpSpPr>
-      <p:grpSpPr>
-        <a:xfrm>
-          <a:off x="0" y="0"/>
-          <a:ext cx="0" cy="0"/>
-          <a:chOff x="0" y="0"/>
-          <a:chExt cx="0" cy="0"/>
-        </a:xfrm>
-      </p:grpSpPr>
-      <p:sp>
-        <p:nvSpPr>
-          <p:cNvPr id="2" name="Title 1"/>
-          <p:cNvSpPr>
-            <a:spLocks noGrp="1"/>
-          </p:cNvSpPr>
-          <p:nvPr>
-            <p:ph type="ctrTitle"/>
-          </p:nvPr>
-        </p:nvSpPr>
-        <p:spPr>
-          <a:xfrm>
-            <a:off x="1143000" y="-304800"/>
-            <a:ext cx="6553200" cy="1470025"/>
-          </a:xfrm>
-        </p:spPr>
-        <p:txBody>
-          <a:bodyPr>
-            <a:normAutofit/>
-          </a:bodyPr>
-          <a:lstStyle/>
-          <a:p>
-            <a:r>
-              <a:rPr lang="en-US" sz="3600" b="1" dirty="0" smtClean="0"/>
-              <a:t>Spark architecture</a:t>
-            </a:r>
-            <a:endParaRPr lang="en-US" sz="3600" b="1" dirty="0"/>
-          </a:p>
-        </p:txBody>
-      </p:sp>
-      <p:sp>
-        <p:nvSpPr>
-          <p:cNvPr id="5" name="Footer Placeholder 4"/>
-          <p:cNvSpPr>
-            <a:spLocks noGrp="1"/>
-          </p:cNvSpPr>
-          <p:nvPr>
-            <p:ph type="ftr" sz="quarter" idx="11"/>
-          </p:nvPr>
-        </p:nvSpPr>
-        <p:spPr/>
-        <p:txBody>
-          <a:bodyPr/>
-          <a:lstStyle/>
-          <a:p>
-            <a:r>
-              <a:rPr lang="en-IN" dirty="0" err="1" smtClean="0"/>
-              <a:t>Kafal</a:t>
-            </a:r>
-            <a:r>
-              <a:rPr lang="en-IN" dirty="0" smtClean="0"/>
-              <a:t> Software Pvt Ltd, 2017 : All Rights Reserved </a:t>
-            </a:r>
-            <a:endParaRPr lang="en-US" dirty="0"/>
-          </a:p>
-        </p:txBody>
-      </p:sp>
-      <p:sp>
-        <p:nvSpPr>
-          <p:cNvPr id="6" name="TextBox 5"/>
-          <p:cNvSpPr txBox="1"/>
-          <p:nvPr/>
-        </p:nvSpPr>
-        <p:spPr>
-          <a:xfrm>
-            <a:off x="228600" y="1143000"/>
-            <a:ext cx="8458200" cy="430887"/>
-          </a:xfrm>
-          <a:prstGeom prst="rect">
-            <a:avLst/>
-          </a:prstGeom>
-          <a:noFill/>
-        </p:spPr>
-        <p:txBody>
-          <a:bodyPr wrap="square" rtlCol="0">
-            <a:spAutoFit/>
-          </a:bodyPr>
-          <a:lstStyle/>
-          <a:p>
-            <a:pPr algn="just"/>
-            <a:r>
-              <a:rPr lang="en-US" sz="2200" b="1" dirty="0" smtClean="0">
-                <a:latin typeface="Book Antiqua" pitchFamily="18" charset="0"/>
-              </a:rPr>
-              <a:t>Spark Cluster Architecture</a:t>
-            </a:r>
-            <a:endParaRPr lang="en-US" sz="2200" dirty="0">
-              <a:latin typeface="Book Antiqua" pitchFamily="18" charset="0"/>
-            </a:endParaRPr>
-          </a:p>
-        </p:txBody>
-      </p:sp>
-      <p:sp>
-        <p:nvSpPr>
-          <p:cNvPr id="2052" name="AutoShape 4" descr="Image result for spark components"/>
-          <p:cNvSpPr>
-            <a:spLocks noChangeAspect="1" noChangeArrowheads="1"/>
-          </p:cNvSpPr>
-          <p:nvPr/>
-        </p:nvSpPr>
-        <p:spPr bwMode="auto">
-          <a:xfrm>
-            <a:off x="155575" y="-144463"/>
-            <a:ext cx="304800" cy="304801"/>
-          </a:xfrm>
-          <a:prstGeom prst="rect">
-            <a:avLst/>
-          </a:prstGeom>
-          <a:noFill/>
-        </p:spPr>
-        <p:txBody>
-          <a:bodyPr vert="horz" wrap="square" lIns="91440" tIns="45720" rIns="91440" bIns="45720" numCol="1" anchor="t" anchorCtr="0" compatLnSpc="1">
-            <a:prstTxWarp prst="textNoShape">
-              <a:avLst/>
-            </a:prstTxWarp>
-          </a:bodyPr>
-          <a:lstStyle/>
-          <a:p>
-            <a:endParaRPr lang="en-US"/>
-          </a:p>
-        </p:txBody>
-      </p:sp>
-      <p:sp>
-        <p:nvSpPr>
-          <p:cNvPr id="2054" name="AutoShape 6" descr="Image result for spark components"/>
-          <p:cNvSpPr>
-            <a:spLocks noChangeAspect="1" noChangeArrowheads="1"/>
-          </p:cNvSpPr>
-          <p:nvPr/>
-        </p:nvSpPr>
-        <p:spPr bwMode="auto">
-          <a:xfrm>
-            <a:off x="155575" y="-144463"/>
-            <a:ext cx="304800" cy="304801"/>
-          </a:xfrm>
-          <a:prstGeom prst="rect">
-            <a:avLst/>
-          </a:prstGeom>
-          <a:noFill/>
-        </p:spPr>
-        <p:txBody>
-          <a:bodyPr vert="horz" wrap="square" lIns="91440" tIns="45720" rIns="91440" bIns="45720" numCol="1" anchor="t" anchorCtr="0" compatLnSpc="1">
-            <a:prstTxWarp prst="textNoShape">
-              <a:avLst/>
-            </a:prstTxWarp>
-          </a:bodyPr>
-          <a:lstStyle/>
-          <a:p>
-            <a:endParaRPr lang="en-US"/>
-          </a:p>
-        </p:txBody>
-      </p:sp>
-      <p:pic>
-        <p:nvPicPr>
-          <p:cNvPr id="26626" name="Picture 2" descr="Spark cluster components"/>
-          <p:cNvPicPr>
-            <a:picLocks noChangeAspect="1" noChangeArrowheads="1"/>
-          </p:cNvPicPr>
-          <p:nvPr/>
-        </p:nvPicPr>
-        <p:blipFill>
-          <a:blip r:embed="rId3" cstate="print"/>
-          <a:srcRect/>
-          <a:stretch>
-            <a:fillRect/>
-          </a:stretch>
-        </p:blipFill>
-        <p:spPr bwMode="auto">
-          <a:xfrm>
-            <a:off x="685800" y="1905000"/>
-            <a:ext cx="6510528" cy="3048000"/>
-          </a:xfrm>
-          <a:prstGeom prst="rect">
-            <a:avLst/>
-          </a:prstGeom>
-          <a:noFill/>
-        </p:spPr>
-      </p:pic>
-    </p:spTree>
-  </p:cSld>
-  <p:clrMapOvr>
-    <a:masterClrMapping/>
-  </p:clrMapOvr>
-  <p:timing>
-    <p:tnLst>
-      <p:par>
-        <p:cTn id="1" dur="indefinite" restart="never" nodeType="tmRoot"/>
-      </p:par>
-    </p:tnLst>
-  </p:timing>
-</p:sld>
-</file>
-
-<file path=ppt/slides/slide29.xml><?xml version="1.0" encoding="utf-8"?>
-<p:sld xmlns:a="http://schemas.openxmlformats.org/drawingml/2006/main" xmlns:r="http://schemas.openxmlformats.org/officeDocument/2006/relationships" xmlns:p="http://schemas.openxmlformats.org/presentationml/2006/main">
-  <p:cSld>
-    <p:spTree>
-      <p:nvGrpSpPr>
-        <p:cNvPr id="1" name=""/>
-        <p:cNvGrpSpPr/>
-        <p:nvPr/>
-      </p:nvGrpSpPr>
-      <p:grpSpPr>
-        <a:xfrm>
-          <a:off x="0" y="0"/>
-          <a:ext cx="0" cy="0"/>
-          <a:chOff x="0" y="0"/>
-          <a:chExt cx="0" cy="0"/>
-        </a:xfrm>
-      </p:grpSpPr>
-      <p:sp>
-        <p:nvSpPr>
-          <p:cNvPr id="2" name="Title 1"/>
-          <p:cNvSpPr>
-            <a:spLocks noGrp="1"/>
-          </p:cNvSpPr>
-          <p:nvPr>
-            <p:ph type="ctrTitle"/>
-          </p:nvPr>
-        </p:nvSpPr>
-        <p:spPr>
-          <a:xfrm>
-            <a:off x="1143000" y="-304800"/>
-            <a:ext cx="6553200" cy="1470025"/>
-          </a:xfrm>
-        </p:spPr>
-        <p:txBody>
-          <a:bodyPr>
-            <a:normAutofit/>
-          </a:bodyPr>
-          <a:lstStyle/>
-          <a:p>
-            <a:r>
-              <a:rPr lang="en-US" sz="3600" b="1" dirty="0" smtClean="0"/>
-              <a:t>Spark Programming </a:t>
-            </a:r>
-            <a:r>
-              <a:rPr lang="en-US" sz="3600" b="1" dirty="0" err="1" smtClean="0"/>
-              <a:t>Env</a:t>
-            </a:r>
-            <a:r>
-              <a:rPr lang="en-US" sz="3600" b="1" dirty="0" smtClean="0"/>
-              <a:t>.</a:t>
-            </a:r>
-            <a:br>
-              <a:rPr lang="en-US" sz="3600" b="1" dirty="0" smtClean="0"/>
-            </a:br>
-            <a:r>
-              <a:rPr lang="en-US" sz="3600" b="1" dirty="0" smtClean="0"/>
-              <a:t>(Setting it up)</a:t>
-            </a:r>
-            <a:endParaRPr lang="en-US" sz="3600" b="1" dirty="0"/>
-          </a:p>
-        </p:txBody>
-      </p:sp>
-      <p:sp>
-        <p:nvSpPr>
-          <p:cNvPr id="5" name="Footer Placeholder 4"/>
-          <p:cNvSpPr>
-            <a:spLocks noGrp="1"/>
-          </p:cNvSpPr>
-          <p:nvPr>
-            <p:ph type="ftr" sz="quarter" idx="11"/>
-          </p:nvPr>
-        </p:nvSpPr>
-        <p:spPr/>
-        <p:txBody>
-          <a:bodyPr/>
-          <a:lstStyle/>
-          <a:p>
-            <a:r>
-              <a:rPr lang="en-IN" dirty="0" err="1" smtClean="0"/>
-              <a:t>Kafal</a:t>
-            </a:r>
-            <a:r>
-              <a:rPr lang="en-IN" dirty="0" smtClean="0"/>
-              <a:t> Software Pvt Ltd, 2017 : All Rights Reserved </a:t>
-            </a:r>
-            <a:endParaRPr lang="en-US" dirty="0"/>
-          </a:p>
-        </p:txBody>
-      </p:sp>
-      <p:sp>
-        <p:nvSpPr>
-          <p:cNvPr id="2052" name="AutoShape 4" descr="Image result for spark components"/>
-          <p:cNvSpPr>
-            <a:spLocks noChangeAspect="1" noChangeArrowheads="1"/>
-          </p:cNvSpPr>
-          <p:nvPr/>
-        </p:nvSpPr>
-        <p:spPr bwMode="auto">
-          <a:xfrm>
-            <a:off x="155575" y="-144463"/>
-            <a:ext cx="304800" cy="304801"/>
-          </a:xfrm>
-          <a:prstGeom prst="rect">
-            <a:avLst/>
-          </a:prstGeom>
-          <a:noFill/>
-        </p:spPr>
-        <p:txBody>
-          <a:bodyPr vert="horz" wrap="square" lIns="91440" tIns="45720" rIns="91440" bIns="45720" numCol="1" anchor="t" anchorCtr="0" compatLnSpc="1">
-            <a:prstTxWarp prst="textNoShape">
-              <a:avLst/>
-            </a:prstTxWarp>
-          </a:bodyPr>
-          <a:lstStyle/>
-          <a:p>
-            <a:endParaRPr lang="en-US"/>
-          </a:p>
-        </p:txBody>
-      </p:sp>
-      <p:sp>
-        <p:nvSpPr>
-          <p:cNvPr id="2054" name="AutoShape 6" descr="Image result for spark components"/>
-          <p:cNvSpPr>
-            <a:spLocks noChangeAspect="1" noChangeArrowheads="1"/>
-          </p:cNvSpPr>
-          <p:nvPr/>
-        </p:nvSpPr>
-        <p:spPr bwMode="auto">
-          <a:xfrm>
-            <a:off x="155575" y="-144463"/>
-            <a:ext cx="304800" cy="304801"/>
-          </a:xfrm>
-          <a:prstGeom prst="rect">
-            <a:avLst/>
-          </a:prstGeom>
-          <a:noFill/>
-        </p:spPr>
-        <p:txBody>
-          <a:bodyPr vert="horz" wrap="square" lIns="91440" tIns="45720" rIns="91440" bIns="45720" numCol="1" anchor="t" anchorCtr="0" compatLnSpc="1">
-            <a:prstTxWarp prst="textNoShape">
-              <a:avLst/>
-            </a:prstTxWarp>
-          </a:bodyPr>
-          <a:lstStyle/>
-          <a:p>
-            <a:endParaRPr lang="en-US"/>
-          </a:p>
-        </p:txBody>
-      </p:sp>
-      <p:pic>
-        <p:nvPicPr>
-          <p:cNvPr id="27650" name="Picture 2"/>
-          <p:cNvPicPr>
-            <a:picLocks noChangeAspect="1" noChangeArrowheads="1"/>
-          </p:cNvPicPr>
-          <p:nvPr/>
-        </p:nvPicPr>
-        <p:blipFill>
-          <a:blip r:embed="rId3" cstate="print"/>
-          <a:srcRect/>
-          <a:stretch>
-            <a:fillRect/>
-          </a:stretch>
-        </p:blipFill>
-        <p:spPr bwMode="auto">
-          <a:xfrm>
-            <a:off x="381000" y="1066800"/>
-            <a:ext cx="8380284" cy="4343400"/>
-          </a:xfrm>
-          <a:prstGeom prst="rect">
-            <a:avLst/>
-          </a:prstGeom>
-          <a:noFill/>
-          <a:ln w="9525">
-            <a:noFill/>
-            <a:miter lim="800000"/>
-            <a:headEnd/>
-            <a:tailEnd/>
-          </a:ln>
-          <a:effectLst/>
         </p:spPr>
       </p:pic>
     </p:spTree>
@@ -14577,6 +15192,1029 @@
         </p:nvSpPr>
         <p:spPr>
           <a:xfrm>
+            <a:off x="1143000" y="-304800"/>
+            <a:ext cx="6553200" cy="1470025"/>
+          </a:xfrm>
+        </p:spPr>
+        <p:txBody>
+          <a:bodyPr>
+            <a:normAutofit/>
+          </a:bodyPr>
+          <a:lstStyle/>
+          <a:p>
+            <a:r>
+              <a:rPr lang="en-US" sz="3600" b="1" dirty="0" smtClean="0"/>
+              <a:t>Batch vs. Real-time processing</a:t>
+            </a:r>
+            <a:endParaRPr lang="en-US" sz="3600" b="1" dirty="0"/>
+          </a:p>
+        </p:txBody>
+      </p:sp>
+      <p:sp>
+        <p:nvSpPr>
+          <p:cNvPr id="5" name="Footer Placeholder 4"/>
+          <p:cNvSpPr>
+            <a:spLocks noGrp="1"/>
+          </p:cNvSpPr>
+          <p:nvPr>
+            <p:ph type="ftr" sz="quarter" idx="11"/>
+          </p:nvPr>
+        </p:nvSpPr>
+        <p:spPr/>
+        <p:txBody>
+          <a:bodyPr/>
+          <a:lstStyle/>
+          <a:p>
+            <a:r>
+              <a:rPr lang="en-IN" dirty="0" err="1" smtClean="0"/>
+              <a:t>Kafal</a:t>
+            </a:r>
+            <a:r>
+              <a:rPr lang="en-IN" dirty="0" smtClean="0"/>
+              <a:t> Software Pvt Ltd, 2017 : All Rights Reserved </a:t>
+            </a:r>
+            <a:endParaRPr lang="en-US" dirty="0"/>
+          </a:p>
+        </p:txBody>
+      </p:sp>
+      <p:sp>
+        <p:nvSpPr>
+          <p:cNvPr id="6" name="TextBox 5"/>
+          <p:cNvSpPr txBox="1"/>
+          <p:nvPr/>
+        </p:nvSpPr>
+        <p:spPr>
+          <a:xfrm>
+            <a:off x="228600" y="1143000"/>
+            <a:ext cx="8458200" cy="3139321"/>
+          </a:xfrm>
+          <a:prstGeom prst="rect">
+            <a:avLst/>
+          </a:prstGeom>
+          <a:noFill/>
+        </p:spPr>
+        <p:txBody>
+          <a:bodyPr wrap="square" rtlCol="0">
+            <a:spAutoFit/>
+          </a:bodyPr>
+          <a:lstStyle/>
+          <a:p>
+            <a:r>
+              <a:rPr lang="en-US" sz="2200" b="1" dirty="0" smtClean="0">
+                <a:latin typeface="Book Antiqua" pitchFamily="18" charset="0"/>
+              </a:rPr>
+              <a:t>Real-time processing  </a:t>
+            </a:r>
+          </a:p>
+          <a:p>
+            <a:pPr>
+              <a:buFont typeface="Arial" pitchFamily="34" charset="0"/>
+              <a:buChar char="•"/>
+            </a:pPr>
+            <a:r>
+              <a:rPr lang="en-US" sz="2200" dirty="0" smtClean="0">
+                <a:latin typeface="Book Antiqua" pitchFamily="18" charset="0"/>
+              </a:rPr>
+              <a:t> Continual input, process and output of data</a:t>
+            </a:r>
+          </a:p>
+          <a:p>
+            <a:pPr>
+              <a:buFont typeface="Arial" pitchFamily="34" charset="0"/>
+              <a:buChar char="•"/>
+            </a:pPr>
+            <a:r>
+              <a:rPr lang="en-US" sz="2200" dirty="0" smtClean="0">
+                <a:latin typeface="Book Antiqua" pitchFamily="18" charset="0"/>
+              </a:rPr>
+              <a:t>  Data processing time in fraction of seconds (Smaller volume of data than batch processing is involved)</a:t>
+            </a:r>
+          </a:p>
+          <a:p>
+            <a:pPr>
+              <a:buFont typeface="Arial" pitchFamily="34" charset="0"/>
+              <a:buChar char="•"/>
+            </a:pPr>
+            <a:r>
+              <a:rPr lang="en-US" sz="2200" dirty="0" smtClean="0">
+                <a:latin typeface="Book Antiqua" pitchFamily="18" charset="0"/>
+              </a:rPr>
+              <a:t>  Suitable in scenarios where real-time insights are required to take decisions (</a:t>
+            </a:r>
+            <a:r>
+              <a:rPr lang="en-US" sz="2200" b="1" dirty="0" smtClean="0">
+                <a:latin typeface="Book Antiqua" pitchFamily="18" charset="0"/>
+              </a:rPr>
+              <a:t>Examples: Flights delay data monitoring, Fraudulent transaction monitoring, Credit card thefts etc</a:t>
+            </a:r>
+            <a:r>
+              <a:rPr lang="en-US" sz="2200" dirty="0" smtClean="0">
+                <a:latin typeface="Book Antiqua" pitchFamily="18" charset="0"/>
+              </a:rPr>
+              <a:t>)</a:t>
+            </a:r>
+          </a:p>
+          <a:p>
+            <a:pPr>
+              <a:buFont typeface="Arial" pitchFamily="34" charset="0"/>
+              <a:buChar char="•"/>
+            </a:pPr>
+            <a:r>
+              <a:rPr lang="en-US" sz="2200" b="1" dirty="0" smtClean="0">
+                <a:latin typeface="Book Antiqua" pitchFamily="18" charset="0"/>
+              </a:rPr>
+              <a:t> Apache Spark is suitable for both batch and real-time processing</a:t>
+            </a:r>
+          </a:p>
+        </p:txBody>
+      </p:sp>
+    </p:spTree>
+  </p:cSld>
+  <p:clrMapOvr>
+    <a:masterClrMapping/>
+  </p:clrMapOvr>
+  <p:timing>
+    <p:tnLst>
+      <p:par>
+        <p:cTn id="1" dur="indefinite" restart="never" nodeType="tmRoot"/>
+      </p:par>
+    </p:tnLst>
+  </p:timing>
+</p:sld>
+</file>
+
+<file path=ppt/slides/slide31.xml><?xml version="1.0" encoding="utf-8"?>
+<p:sld xmlns:a="http://schemas.openxmlformats.org/drawingml/2006/main" xmlns:r="http://schemas.openxmlformats.org/officeDocument/2006/relationships" xmlns:p="http://schemas.openxmlformats.org/presentationml/2006/main">
+  <p:cSld>
+    <p:spTree>
+      <p:nvGrpSpPr>
+        <p:cNvPr id="1" name=""/>
+        <p:cNvGrpSpPr/>
+        <p:nvPr/>
+      </p:nvGrpSpPr>
+      <p:grpSpPr>
+        <a:xfrm>
+          <a:off x="0" y="0"/>
+          <a:ext cx="0" cy="0"/>
+          <a:chOff x="0" y="0"/>
+          <a:chExt cx="0" cy="0"/>
+        </a:xfrm>
+      </p:grpSpPr>
+      <p:sp>
+        <p:nvSpPr>
+          <p:cNvPr id="2" name="Title 1"/>
+          <p:cNvSpPr>
+            <a:spLocks noGrp="1"/>
+          </p:cNvSpPr>
+          <p:nvPr>
+            <p:ph type="ctrTitle"/>
+          </p:nvPr>
+        </p:nvSpPr>
+        <p:spPr>
+          <a:xfrm>
+            <a:off x="1143000" y="-304800"/>
+            <a:ext cx="6553200" cy="1470025"/>
+          </a:xfrm>
+        </p:spPr>
+        <p:txBody>
+          <a:bodyPr>
+            <a:normAutofit/>
+          </a:bodyPr>
+          <a:lstStyle/>
+          <a:p>
+            <a:r>
+              <a:rPr lang="en-US" sz="3600" b="1" dirty="0" smtClean="0"/>
+              <a:t>Spark vs. Hadoop: Why Spark?</a:t>
+            </a:r>
+            <a:endParaRPr lang="en-US" sz="3600" b="1" dirty="0"/>
+          </a:p>
+        </p:txBody>
+      </p:sp>
+      <p:sp>
+        <p:nvSpPr>
+          <p:cNvPr id="5" name="Footer Placeholder 4"/>
+          <p:cNvSpPr>
+            <a:spLocks noGrp="1"/>
+          </p:cNvSpPr>
+          <p:nvPr>
+            <p:ph type="ftr" sz="quarter" idx="11"/>
+          </p:nvPr>
+        </p:nvSpPr>
+        <p:spPr/>
+        <p:txBody>
+          <a:bodyPr/>
+          <a:lstStyle/>
+          <a:p>
+            <a:r>
+              <a:rPr lang="en-IN" dirty="0" err="1" smtClean="0"/>
+              <a:t>Kafal</a:t>
+            </a:r>
+            <a:r>
+              <a:rPr lang="en-IN" dirty="0" smtClean="0"/>
+              <a:t> Software Pvt Ltd, 2017 : All Rights Reserved </a:t>
+            </a:r>
+            <a:endParaRPr lang="en-US" dirty="0"/>
+          </a:p>
+        </p:txBody>
+      </p:sp>
+      <p:sp>
+        <p:nvSpPr>
+          <p:cNvPr id="6" name="TextBox 5"/>
+          <p:cNvSpPr txBox="1"/>
+          <p:nvPr/>
+        </p:nvSpPr>
+        <p:spPr>
+          <a:xfrm>
+            <a:off x="228600" y="1143000"/>
+            <a:ext cx="8458200" cy="5509200"/>
+          </a:xfrm>
+          <a:prstGeom prst="rect">
+            <a:avLst/>
+          </a:prstGeom>
+          <a:noFill/>
+        </p:spPr>
+        <p:txBody>
+          <a:bodyPr wrap="square" rtlCol="0">
+            <a:spAutoFit/>
+          </a:bodyPr>
+          <a:lstStyle/>
+          <a:p>
+            <a:pPr algn="just">
+              <a:buFont typeface="Arial" pitchFamily="34" charset="0"/>
+              <a:buChar char="•"/>
+            </a:pPr>
+            <a:r>
+              <a:rPr lang="en-US" sz="2200" dirty="0" smtClean="0">
+                <a:latin typeface="Book Antiqua" pitchFamily="18" charset="0"/>
+              </a:rPr>
+              <a:t> Hadoop Map Reduce is limited to Batch processing</a:t>
+            </a:r>
+          </a:p>
+          <a:p>
+            <a:pPr algn="just">
+              <a:buFont typeface="Arial" pitchFamily="34" charset="0"/>
+              <a:buChar char="•"/>
+            </a:pPr>
+            <a:r>
+              <a:rPr lang="en-US" sz="2200" dirty="0" smtClean="0">
+                <a:latin typeface="Book Antiqua" pitchFamily="18" charset="0"/>
+              </a:rPr>
+              <a:t> Hadoop Map Reduce is fast but not fast enough</a:t>
+            </a:r>
+          </a:p>
+          <a:p>
+            <a:pPr algn="just"/>
+            <a:endParaRPr lang="en-US" sz="2200" dirty="0" smtClean="0">
+              <a:latin typeface="Book Antiqua" pitchFamily="18" charset="0"/>
+            </a:endParaRPr>
+          </a:p>
+          <a:p>
+            <a:pPr algn="just">
+              <a:buFont typeface="Arial" pitchFamily="34" charset="0"/>
+              <a:buChar char="•"/>
+            </a:pPr>
+            <a:r>
+              <a:rPr lang="en-US" sz="2200" dirty="0" smtClean="0">
+                <a:latin typeface="Book Antiqua" pitchFamily="18" charset="0"/>
+              </a:rPr>
+              <a:t> </a:t>
+            </a:r>
+            <a:r>
+              <a:rPr lang="en-US" sz="2200" b="1" dirty="0" smtClean="0">
+                <a:latin typeface="Book Antiqua" pitchFamily="18" charset="0"/>
+              </a:rPr>
+              <a:t>Apache Spark is a general purpose fast in-memory cluster computing system  (good for both Batch and Real-time processing) – It is faster than Hadoop Map Reduce (100x faster)</a:t>
+            </a:r>
+          </a:p>
+          <a:p>
+            <a:pPr algn="just"/>
+            <a:endParaRPr lang="en-US" sz="2200" b="1" dirty="0" smtClean="0">
+              <a:latin typeface="Book Antiqua" pitchFamily="18" charset="0"/>
+            </a:endParaRPr>
+          </a:p>
+          <a:p>
+            <a:pPr algn="just">
+              <a:buFont typeface="Arial" pitchFamily="34" charset="0"/>
+              <a:buChar char="•"/>
+            </a:pPr>
+            <a:r>
+              <a:rPr lang="en-US" sz="2200" b="1" dirty="0" smtClean="0">
+                <a:latin typeface="Book Antiqua" pitchFamily="18" charset="0"/>
+              </a:rPr>
+              <a:t> Apache Spark provides high level programming APIs in many languages – Scala, Java, Python, R</a:t>
+            </a:r>
+          </a:p>
+          <a:p>
+            <a:pPr algn="just">
+              <a:buFont typeface="Arial" pitchFamily="34" charset="0"/>
+              <a:buChar char="•"/>
+            </a:pPr>
+            <a:endParaRPr lang="en-US" sz="2200" b="1" dirty="0" smtClean="0">
+              <a:latin typeface="Book Antiqua" pitchFamily="18" charset="0"/>
+            </a:endParaRPr>
+          </a:p>
+          <a:p>
+            <a:pPr algn="just">
+              <a:buFont typeface="Arial" pitchFamily="34" charset="0"/>
+              <a:buChar char="•"/>
+            </a:pPr>
+            <a:r>
+              <a:rPr lang="en-US" sz="2200" b="1" dirty="0" smtClean="0">
+                <a:latin typeface="Book Antiqua" pitchFamily="18" charset="0"/>
+              </a:rPr>
+              <a:t> Apache Spark is built on Scala (so Scala is a good choice for programming in Spark)</a:t>
+            </a:r>
+          </a:p>
+          <a:p>
+            <a:endParaRPr lang="en-US" sz="2200" dirty="0" smtClean="0">
+              <a:latin typeface="Book Antiqua" pitchFamily="18" charset="0"/>
+            </a:endParaRPr>
+          </a:p>
+          <a:p>
+            <a:endParaRPr lang="en-US" sz="2200" dirty="0" smtClean="0">
+              <a:latin typeface="Book Antiqua" pitchFamily="18" charset="0"/>
+            </a:endParaRPr>
+          </a:p>
+          <a:p>
+            <a:endParaRPr lang="en-US" sz="2200" dirty="0" smtClean="0">
+              <a:latin typeface="Book Antiqua" pitchFamily="18" charset="0"/>
+            </a:endParaRPr>
+          </a:p>
+          <a:p>
+            <a:endParaRPr lang="en-US" sz="2200" dirty="0">
+              <a:latin typeface="Book Antiqua" pitchFamily="18" charset="0"/>
+            </a:endParaRPr>
+          </a:p>
+        </p:txBody>
+      </p:sp>
+    </p:spTree>
+  </p:cSld>
+  <p:clrMapOvr>
+    <a:masterClrMapping/>
+  </p:clrMapOvr>
+  <p:timing>
+    <p:tnLst>
+      <p:par>
+        <p:cTn id="1" dur="indefinite" restart="never" nodeType="tmRoot"/>
+      </p:par>
+    </p:tnLst>
+  </p:timing>
+</p:sld>
+</file>
+
+<file path=ppt/slides/slide32.xml><?xml version="1.0" encoding="utf-8"?>
+<p:sld xmlns:a="http://schemas.openxmlformats.org/drawingml/2006/main" xmlns:r="http://schemas.openxmlformats.org/officeDocument/2006/relationships" xmlns:p="http://schemas.openxmlformats.org/presentationml/2006/main">
+  <p:cSld>
+    <p:spTree>
+      <p:nvGrpSpPr>
+        <p:cNvPr id="1" name=""/>
+        <p:cNvGrpSpPr/>
+        <p:nvPr/>
+      </p:nvGrpSpPr>
+      <p:grpSpPr>
+        <a:xfrm>
+          <a:off x="0" y="0"/>
+          <a:ext cx="0" cy="0"/>
+          <a:chOff x="0" y="0"/>
+          <a:chExt cx="0" cy="0"/>
+        </a:xfrm>
+      </p:grpSpPr>
+      <p:sp>
+        <p:nvSpPr>
+          <p:cNvPr id="2" name="Title 1"/>
+          <p:cNvSpPr>
+            <a:spLocks noGrp="1"/>
+          </p:cNvSpPr>
+          <p:nvPr>
+            <p:ph type="ctrTitle"/>
+          </p:nvPr>
+        </p:nvSpPr>
+        <p:spPr>
+          <a:xfrm>
+            <a:off x="1143000" y="-304800"/>
+            <a:ext cx="6553200" cy="1470025"/>
+          </a:xfrm>
+        </p:spPr>
+        <p:txBody>
+          <a:bodyPr>
+            <a:normAutofit/>
+          </a:bodyPr>
+          <a:lstStyle/>
+          <a:p>
+            <a:r>
+              <a:rPr lang="en-US" sz="3600" b="1" dirty="0" smtClean="0"/>
+              <a:t>Spark architecture</a:t>
+            </a:r>
+            <a:endParaRPr lang="en-US" sz="3600" b="1" dirty="0"/>
+          </a:p>
+        </p:txBody>
+      </p:sp>
+      <p:sp>
+        <p:nvSpPr>
+          <p:cNvPr id="5" name="Footer Placeholder 4"/>
+          <p:cNvSpPr>
+            <a:spLocks noGrp="1"/>
+          </p:cNvSpPr>
+          <p:nvPr>
+            <p:ph type="ftr" sz="quarter" idx="11"/>
+          </p:nvPr>
+        </p:nvSpPr>
+        <p:spPr/>
+        <p:txBody>
+          <a:bodyPr/>
+          <a:lstStyle/>
+          <a:p>
+            <a:r>
+              <a:rPr lang="en-IN" dirty="0" err="1" smtClean="0"/>
+              <a:t>Kafal</a:t>
+            </a:r>
+            <a:r>
+              <a:rPr lang="en-IN" dirty="0" smtClean="0"/>
+              <a:t> Software Pvt Ltd, 2017 : All Rights Reserved </a:t>
+            </a:r>
+            <a:endParaRPr lang="en-US" dirty="0"/>
+          </a:p>
+        </p:txBody>
+      </p:sp>
+      <p:sp>
+        <p:nvSpPr>
+          <p:cNvPr id="6" name="TextBox 5"/>
+          <p:cNvSpPr txBox="1"/>
+          <p:nvPr/>
+        </p:nvSpPr>
+        <p:spPr>
+          <a:xfrm>
+            <a:off x="228600" y="1143000"/>
+            <a:ext cx="8458200" cy="430887"/>
+          </a:xfrm>
+          <a:prstGeom prst="rect">
+            <a:avLst/>
+          </a:prstGeom>
+          <a:noFill/>
+        </p:spPr>
+        <p:txBody>
+          <a:bodyPr wrap="square" rtlCol="0">
+            <a:spAutoFit/>
+          </a:bodyPr>
+          <a:lstStyle/>
+          <a:p>
+            <a:pPr algn="just"/>
+            <a:r>
+              <a:rPr lang="en-US" sz="2200" b="1" dirty="0" smtClean="0">
+                <a:latin typeface="Book Antiqua" pitchFamily="18" charset="0"/>
+              </a:rPr>
+              <a:t>Spark Components/ Libraries / APIs)</a:t>
+            </a:r>
+            <a:endParaRPr lang="en-US" sz="2200" dirty="0">
+              <a:latin typeface="Book Antiqua" pitchFamily="18" charset="0"/>
+            </a:endParaRPr>
+          </a:p>
+        </p:txBody>
+      </p:sp>
+      <p:pic>
+        <p:nvPicPr>
+          <p:cNvPr id="2050" name="Picture 2"/>
+          <p:cNvPicPr>
+            <a:picLocks noChangeAspect="1" noChangeArrowheads="1"/>
+          </p:cNvPicPr>
+          <p:nvPr/>
+        </p:nvPicPr>
+        <p:blipFill>
+          <a:blip r:embed="rId3" cstate="print"/>
+          <a:srcRect/>
+          <a:stretch>
+            <a:fillRect/>
+          </a:stretch>
+        </p:blipFill>
+        <p:spPr bwMode="auto">
+          <a:xfrm>
+            <a:off x="762000" y="1828800"/>
+            <a:ext cx="6903518" cy="2667000"/>
+          </a:xfrm>
+          <a:prstGeom prst="rect">
+            <a:avLst/>
+          </a:prstGeom>
+          <a:noFill/>
+          <a:ln w="9525">
+            <a:noFill/>
+            <a:miter lim="800000"/>
+            <a:headEnd/>
+            <a:tailEnd/>
+          </a:ln>
+          <a:effectLst/>
+        </p:spPr>
+      </p:pic>
+      <p:sp>
+        <p:nvSpPr>
+          <p:cNvPr id="2052" name="AutoShape 4" descr="Image result for spark components"/>
+          <p:cNvSpPr>
+            <a:spLocks noChangeAspect="1" noChangeArrowheads="1"/>
+          </p:cNvSpPr>
+          <p:nvPr/>
+        </p:nvSpPr>
+        <p:spPr bwMode="auto">
+          <a:xfrm>
+            <a:off x="155575" y="-144463"/>
+            <a:ext cx="304800" cy="304801"/>
+          </a:xfrm>
+          <a:prstGeom prst="rect">
+            <a:avLst/>
+          </a:prstGeom>
+          <a:noFill/>
+        </p:spPr>
+        <p:txBody>
+          <a:bodyPr vert="horz" wrap="square" lIns="91440" tIns="45720" rIns="91440" bIns="45720" numCol="1" anchor="t" anchorCtr="0" compatLnSpc="1">
+            <a:prstTxWarp prst="textNoShape">
+              <a:avLst/>
+            </a:prstTxWarp>
+          </a:bodyPr>
+          <a:lstStyle/>
+          <a:p>
+            <a:endParaRPr lang="en-US"/>
+          </a:p>
+        </p:txBody>
+      </p:sp>
+      <p:sp>
+        <p:nvSpPr>
+          <p:cNvPr id="2054" name="AutoShape 6" descr="Image result for spark components"/>
+          <p:cNvSpPr>
+            <a:spLocks noChangeAspect="1" noChangeArrowheads="1"/>
+          </p:cNvSpPr>
+          <p:nvPr/>
+        </p:nvSpPr>
+        <p:spPr bwMode="auto">
+          <a:xfrm>
+            <a:off x="155575" y="-144463"/>
+            <a:ext cx="304800" cy="304801"/>
+          </a:xfrm>
+          <a:prstGeom prst="rect">
+            <a:avLst/>
+          </a:prstGeom>
+          <a:noFill/>
+        </p:spPr>
+        <p:txBody>
+          <a:bodyPr vert="horz" wrap="square" lIns="91440" tIns="45720" rIns="91440" bIns="45720" numCol="1" anchor="t" anchorCtr="0" compatLnSpc="1">
+            <a:prstTxWarp prst="textNoShape">
+              <a:avLst/>
+            </a:prstTxWarp>
+          </a:bodyPr>
+          <a:lstStyle/>
+          <a:p>
+            <a:endParaRPr lang="en-US"/>
+          </a:p>
+        </p:txBody>
+      </p:sp>
+    </p:spTree>
+  </p:cSld>
+  <p:clrMapOvr>
+    <a:masterClrMapping/>
+  </p:clrMapOvr>
+  <p:timing>
+    <p:tnLst>
+      <p:par>
+        <p:cTn id="1" dur="indefinite" restart="never" nodeType="tmRoot"/>
+      </p:par>
+    </p:tnLst>
+  </p:timing>
+</p:sld>
+</file>
+
+<file path=ppt/slides/slide33.xml><?xml version="1.0" encoding="utf-8"?>
+<p:sld xmlns:a="http://schemas.openxmlformats.org/drawingml/2006/main" xmlns:r="http://schemas.openxmlformats.org/officeDocument/2006/relationships" xmlns:p="http://schemas.openxmlformats.org/presentationml/2006/main">
+  <p:cSld>
+    <p:spTree>
+      <p:nvGrpSpPr>
+        <p:cNvPr id="1" name=""/>
+        <p:cNvGrpSpPr/>
+        <p:nvPr/>
+      </p:nvGrpSpPr>
+      <p:grpSpPr>
+        <a:xfrm>
+          <a:off x="0" y="0"/>
+          <a:ext cx="0" cy="0"/>
+          <a:chOff x="0" y="0"/>
+          <a:chExt cx="0" cy="0"/>
+        </a:xfrm>
+      </p:grpSpPr>
+      <p:sp>
+        <p:nvSpPr>
+          <p:cNvPr id="2" name="Title 1"/>
+          <p:cNvSpPr>
+            <a:spLocks noGrp="1"/>
+          </p:cNvSpPr>
+          <p:nvPr>
+            <p:ph type="ctrTitle"/>
+          </p:nvPr>
+        </p:nvSpPr>
+        <p:spPr>
+          <a:xfrm>
+            <a:off x="1143000" y="-304800"/>
+            <a:ext cx="6553200" cy="1470025"/>
+          </a:xfrm>
+        </p:spPr>
+        <p:txBody>
+          <a:bodyPr>
+            <a:normAutofit/>
+          </a:bodyPr>
+          <a:lstStyle/>
+          <a:p>
+            <a:r>
+              <a:rPr lang="en-US" sz="3600" b="1" dirty="0" smtClean="0"/>
+              <a:t>Spark architecture</a:t>
+            </a:r>
+            <a:endParaRPr lang="en-US" sz="3600" b="1" dirty="0"/>
+          </a:p>
+        </p:txBody>
+      </p:sp>
+      <p:sp>
+        <p:nvSpPr>
+          <p:cNvPr id="5" name="Footer Placeholder 4"/>
+          <p:cNvSpPr>
+            <a:spLocks noGrp="1"/>
+          </p:cNvSpPr>
+          <p:nvPr>
+            <p:ph type="ftr" sz="quarter" idx="11"/>
+          </p:nvPr>
+        </p:nvSpPr>
+        <p:spPr/>
+        <p:txBody>
+          <a:bodyPr/>
+          <a:lstStyle/>
+          <a:p>
+            <a:r>
+              <a:rPr lang="en-IN" dirty="0" err="1" smtClean="0"/>
+              <a:t>Kafal</a:t>
+            </a:r>
+            <a:r>
+              <a:rPr lang="en-IN" dirty="0" smtClean="0"/>
+              <a:t> Software Pvt Ltd, 2017 : All Rights Reserved </a:t>
+            </a:r>
+            <a:endParaRPr lang="en-US" dirty="0"/>
+          </a:p>
+        </p:txBody>
+      </p:sp>
+      <p:sp>
+        <p:nvSpPr>
+          <p:cNvPr id="6" name="TextBox 5"/>
+          <p:cNvSpPr txBox="1"/>
+          <p:nvPr/>
+        </p:nvSpPr>
+        <p:spPr>
+          <a:xfrm>
+            <a:off x="228600" y="1143000"/>
+            <a:ext cx="8458200" cy="430887"/>
+          </a:xfrm>
+          <a:prstGeom prst="rect">
+            <a:avLst/>
+          </a:prstGeom>
+          <a:noFill/>
+        </p:spPr>
+        <p:txBody>
+          <a:bodyPr wrap="square" rtlCol="0">
+            <a:spAutoFit/>
+          </a:bodyPr>
+          <a:lstStyle/>
+          <a:p>
+            <a:pPr algn="just"/>
+            <a:r>
+              <a:rPr lang="en-US" sz="2200" b="1" dirty="0" smtClean="0">
+                <a:latin typeface="Book Antiqua" pitchFamily="18" charset="0"/>
+              </a:rPr>
+              <a:t>Spark Cluster Architecture</a:t>
+            </a:r>
+            <a:endParaRPr lang="en-US" sz="2200" dirty="0">
+              <a:latin typeface="Book Antiqua" pitchFamily="18" charset="0"/>
+            </a:endParaRPr>
+          </a:p>
+        </p:txBody>
+      </p:sp>
+      <p:sp>
+        <p:nvSpPr>
+          <p:cNvPr id="2052" name="AutoShape 4" descr="Image result for spark components"/>
+          <p:cNvSpPr>
+            <a:spLocks noChangeAspect="1" noChangeArrowheads="1"/>
+          </p:cNvSpPr>
+          <p:nvPr/>
+        </p:nvSpPr>
+        <p:spPr bwMode="auto">
+          <a:xfrm>
+            <a:off x="155575" y="-144463"/>
+            <a:ext cx="304800" cy="304801"/>
+          </a:xfrm>
+          <a:prstGeom prst="rect">
+            <a:avLst/>
+          </a:prstGeom>
+          <a:noFill/>
+        </p:spPr>
+        <p:txBody>
+          <a:bodyPr vert="horz" wrap="square" lIns="91440" tIns="45720" rIns="91440" bIns="45720" numCol="1" anchor="t" anchorCtr="0" compatLnSpc="1">
+            <a:prstTxWarp prst="textNoShape">
+              <a:avLst/>
+            </a:prstTxWarp>
+          </a:bodyPr>
+          <a:lstStyle/>
+          <a:p>
+            <a:endParaRPr lang="en-US"/>
+          </a:p>
+        </p:txBody>
+      </p:sp>
+      <p:sp>
+        <p:nvSpPr>
+          <p:cNvPr id="2054" name="AutoShape 6" descr="Image result for spark components"/>
+          <p:cNvSpPr>
+            <a:spLocks noChangeAspect="1" noChangeArrowheads="1"/>
+          </p:cNvSpPr>
+          <p:nvPr/>
+        </p:nvSpPr>
+        <p:spPr bwMode="auto">
+          <a:xfrm>
+            <a:off x="155575" y="-144463"/>
+            <a:ext cx="304800" cy="304801"/>
+          </a:xfrm>
+          <a:prstGeom prst="rect">
+            <a:avLst/>
+          </a:prstGeom>
+          <a:noFill/>
+        </p:spPr>
+        <p:txBody>
+          <a:bodyPr vert="horz" wrap="square" lIns="91440" tIns="45720" rIns="91440" bIns="45720" numCol="1" anchor="t" anchorCtr="0" compatLnSpc="1">
+            <a:prstTxWarp prst="textNoShape">
+              <a:avLst/>
+            </a:prstTxWarp>
+          </a:bodyPr>
+          <a:lstStyle/>
+          <a:p>
+            <a:endParaRPr lang="en-US"/>
+          </a:p>
+        </p:txBody>
+      </p:sp>
+      <p:pic>
+        <p:nvPicPr>
+          <p:cNvPr id="26626" name="Picture 2" descr="Spark cluster components"/>
+          <p:cNvPicPr>
+            <a:picLocks noChangeAspect="1" noChangeArrowheads="1"/>
+          </p:cNvPicPr>
+          <p:nvPr/>
+        </p:nvPicPr>
+        <p:blipFill>
+          <a:blip r:embed="rId3" cstate="print"/>
+          <a:srcRect/>
+          <a:stretch>
+            <a:fillRect/>
+          </a:stretch>
+        </p:blipFill>
+        <p:spPr bwMode="auto">
+          <a:xfrm>
+            <a:off x="685800" y="1905000"/>
+            <a:ext cx="6510528" cy="3048000"/>
+          </a:xfrm>
+          <a:prstGeom prst="rect">
+            <a:avLst/>
+          </a:prstGeom>
+          <a:noFill/>
+        </p:spPr>
+      </p:pic>
+    </p:spTree>
+  </p:cSld>
+  <p:clrMapOvr>
+    <a:masterClrMapping/>
+  </p:clrMapOvr>
+  <p:timing>
+    <p:tnLst>
+      <p:par>
+        <p:cTn id="1" dur="indefinite" restart="never" nodeType="tmRoot"/>
+      </p:par>
+    </p:tnLst>
+  </p:timing>
+</p:sld>
+</file>
+
+<file path=ppt/slides/slide34.xml><?xml version="1.0" encoding="utf-8"?>
+<p:sld xmlns:a="http://schemas.openxmlformats.org/drawingml/2006/main" xmlns:r="http://schemas.openxmlformats.org/officeDocument/2006/relationships" xmlns:p="http://schemas.openxmlformats.org/presentationml/2006/main">
+  <p:cSld>
+    <p:spTree>
+      <p:nvGrpSpPr>
+        <p:cNvPr id="1" name=""/>
+        <p:cNvGrpSpPr/>
+        <p:nvPr/>
+      </p:nvGrpSpPr>
+      <p:grpSpPr>
+        <a:xfrm>
+          <a:off x="0" y="0"/>
+          <a:ext cx="0" cy="0"/>
+          <a:chOff x="0" y="0"/>
+          <a:chExt cx="0" cy="0"/>
+        </a:xfrm>
+      </p:grpSpPr>
+      <p:sp>
+        <p:nvSpPr>
+          <p:cNvPr id="2" name="Title 1"/>
+          <p:cNvSpPr>
+            <a:spLocks noGrp="1"/>
+          </p:cNvSpPr>
+          <p:nvPr>
+            <p:ph type="ctrTitle"/>
+          </p:nvPr>
+        </p:nvSpPr>
+        <p:spPr>
+          <a:xfrm>
+            <a:off x="1143000" y="-304800"/>
+            <a:ext cx="6553200" cy="1470025"/>
+          </a:xfrm>
+        </p:spPr>
+        <p:txBody>
+          <a:bodyPr>
+            <a:normAutofit/>
+          </a:bodyPr>
+          <a:lstStyle/>
+          <a:p>
+            <a:r>
+              <a:rPr lang="en-US" sz="3600" b="1" dirty="0" smtClean="0"/>
+              <a:t>Spark Programming </a:t>
+            </a:r>
+            <a:r>
+              <a:rPr lang="en-US" sz="3600" b="1" dirty="0" err="1" smtClean="0"/>
+              <a:t>Env</a:t>
+            </a:r>
+            <a:r>
+              <a:rPr lang="en-US" sz="3600" b="1" dirty="0" smtClean="0"/>
+              <a:t>.</a:t>
+            </a:r>
+            <a:br>
+              <a:rPr lang="en-US" sz="3600" b="1" dirty="0" smtClean="0"/>
+            </a:br>
+            <a:r>
+              <a:rPr lang="en-US" sz="3600" b="1" dirty="0" smtClean="0"/>
+              <a:t>(Setting it up)</a:t>
+            </a:r>
+            <a:endParaRPr lang="en-US" sz="3600" b="1" dirty="0"/>
+          </a:p>
+        </p:txBody>
+      </p:sp>
+      <p:sp>
+        <p:nvSpPr>
+          <p:cNvPr id="5" name="Footer Placeholder 4"/>
+          <p:cNvSpPr>
+            <a:spLocks noGrp="1"/>
+          </p:cNvSpPr>
+          <p:nvPr>
+            <p:ph type="ftr" sz="quarter" idx="11"/>
+          </p:nvPr>
+        </p:nvSpPr>
+        <p:spPr/>
+        <p:txBody>
+          <a:bodyPr/>
+          <a:lstStyle/>
+          <a:p>
+            <a:r>
+              <a:rPr lang="en-IN" dirty="0" err="1" smtClean="0"/>
+              <a:t>Kafal</a:t>
+            </a:r>
+            <a:r>
+              <a:rPr lang="en-IN" dirty="0" smtClean="0"/>
+              <a:t> Software Pvt Ltd, 2017 : All Rights Reserved </a:t>
+            </a:r>
+            <a:endParaRPr lang="en-US" dirty="0"/>
+          </a:p>
+        </p:txBody>
+      </p:sp>
+      <p:sp>
+        <p:nvSpPr>
+          <p:cNvPr id="2052" name="AutoShape 4" descr="Image result for spark components"/>
+          <p:cNvSpPr>
+            <a:spLocks noChangeAspect="1" noChangeArrowheads="1"/>
+          </p:cNvSpPr>
+          <p:nvPr/>
+        </p:nvSpPr>
+        <p:spPr bwMode="auto">
+          <a:xfrm>
+            <a:off x="155575" y="-144463"/>
+            <a:ext cx="304800" cy="304801"/>
+          </a:xfrm>
+          <a:prstGeom prst="rect">
+            <a:avLst/>
+          </a:prstGeom>
+          <a:noFill/>
+        </p:spPr>
+        <p:txBody>
+          <a:bodyPr vert="horz" wrap="square" lIns="91440" tIns="45720" rIns="91440" bIns="45720" numCol="1" anchor="t" anchorCtr="0" compatLnSpc="1">
+            <a:prstTxWarp prst="textNoShape">
+              <a:avLst/>
+            </a:prstTxWarp>
+          </a:bodyPr>
+          <a:lstStyle/>
+          <a:p>
+            <a:endParaRPr lang="en-US"/>
+          </a:p>
+        </p:txBody>
+      </p:sp>
+      <p:sp>
+        <p:nvSpPr>
+          <p:cNvPr id="2054" name="AutoShape 6" descr="Image result for spark components"/>
+          <p:cNvSpPr>
+            <a:spLocks noChangeAspect="1" noChangeArrowheads="1"/>
+          </p:cNvSpPr>
+          <p:nvPr/>
+        </p:nvSpPr>
+        <p:spPr bwMode="auto">
+          <a:xfrm>
+            <a:off x="155575" y="-144463"/>
+            <a:ext cx="304800" cy="304801"/>
+          </a:xfrm>
+          <a:prstGeom prst="rect">
+            <a:avLst/>
+          </a:prstGeom>
+          <a:noFill/>
+        </p:spPr>
+        <p:txBody>
+          <a:bodyPr vert="horz" wrap="square" lIns="91440" tIns="45720" rIns="91440" bIns="45720" numCol="1" anchor="t" anchorCtr="0" compatLnSpc="1">
+            <a:prstTxWarp prst="textNoShape">
+              <a:avLst/>
+            </a:prstTxWarp>
+          </a:bodyPr>
+          <a:lstStyle/>
+          <a:p>
+            <a:endParaRPr lang="en-US"/>
+          </a:p>
+        </p:txBody>
+      </p:sp>
+      <p:pic>
+        <p:nvPicPr>
+          <p:cNvPr id="27650" name="Picture 2"/>
+          <p:cNvPicPr>
+            <a:picLocks noChangeAspect="1" noChangeArrowheads="1"/>
+          </p:cNvPicPr>
+          <p:nvPr/>
+        </p:nvPicPr>
+        <p:blipFill>
+          <a:blip r:embed="rId3" cstate="print"/>
+          <a:srcRect/>
+          <a:stretch>
+            <a:fillRect/>
+          </a:stretch>
+        </p:blipFill>
+        <p:spPr bwMode="auto">
+          <a:xfrm>
+            <a:off x="381000" y="1066800"/>
+            <a:ext cx="8380284" cy="4343400"/>
+          </a:xfrm>
+          <a:prstGeom prst="rect">
+            <a:avLst/>
+          </a:prstGeom>
+          <a:noFill/>
+          <a:ln w="9525">
+            <a:noFill/>
+            <a:miter lim="800000"/>
+            <a:headEnd/>
+            <a:tailEnd/>
+          </a:ln>
+          <a:effectLst/>
+        </p:spPr>
+      </p:pic>
+    </p:spTree>
+  </p:cSld>
+  <p:clrMapOvr>
+    <a:masterClrMapping/>
+  </p:clrMapOvr>
+  <p:timing>
+    <p:tnLst>
+      <p:par>
+        <p:cTn id="1" dur="indefinite" restart="never" nodeType="tmRoot"/>
+      </p:par>
+    </p:tnLst>
+  </p:timing>
+</p:sld>
+</file>
+
+<file path=ppt/slides/slide35.xml><?xml version="1.0" encoding="utf-8"?>
+<p:sld xmlns:a="http://schemas.openxmlformats.org/drawingml/2006/main" xmlns:r="http://schemas.openxmlformats.org/officeDocument/2006/relationships" xmlns:p="http://schemas.openxmlformats.org/presentationml/2006/main">
+  <p:cSld>
+    <p:spTree>
+      <p:nvGrpSpPr>
+        <p:cNvPr id="1" name=""/>
+        <p:cNvGrpSpPr/>
+        <p:nvPr/>
+      </p:nvGrpSpPr>
+      <p:grpSpPr>
+        <a:xfrm>
+          <a:off x="0" y="0"/>
+          <a:ext cx="0" cy="0"/>
+          <a:chOff x="0" y="0"/>
+          <a:chExt cx="0" cy="0"/>
+        </a:xfrm>
+      </p:grpSpPr>
+      <p:sp>
+        <p:nvSpPr>
+          <p:cNvPr id="2" name="Title 1"/>
+          <p:cNvSpPr>
+            <a:spLocks noGrp="1"/>
+          </p:cNvSpPr>
+          <p:nvPr>
+            <p:ph type="ctrTitle"/>
+          </p:nvPr>
+        </p:nvSpPr>
+        <p:spPr>
+          <a:xfrm>
             <a:off x="1143000" y="-22225"/>
             <a:ext cx="6553200" cy="1470025"/>
           </a:xfrm>
@@ -14745,7 +16383,7 @@
 </p:sld>
 </file>
 
-<file path=ppt/slides/slide31.xml><?xml version="1.0" encoding="utf-8"?>
+<file path=ppt/slides/slide36.xml><?xml version="1.0" encoding="utf-8"?>
 <p:sld xmlns:a="http://schemas.openxmlformats.org/drawingml/2006/main" xmlns:r="http://schemas.openxmlformats.org/officeDocument/2006/relationships" xmlns:p="http://schemas.openxmlformats.org/presentationml/2006/main">
   <p:cSld>
     <p:spTree>
@@ -15075,7 +16713,7 @@
 </p:sld>
 </file>
 
-<file path=ppt/slides/slide32.xml><?xml version="1.0" encoding="utf-8"?>
+<file path=ppt/slides/slide37.xml><?xml version="1.0" encoding="utf-8"?>
 <p:sld xmlns:a="http://schemas.openxmlformats.org/drawingml/2006/main" xmlns:r="http://schemas.openxmlformats.org/officeDocument/2006/relationships" xmlns:p="http://schemas.openxmlformats.org/presentationml/2006/main">
   <p:cSld>
     <p:spTree>
@@ -15306,7 +16944,7 @@
 </p:sld>
 </file>
 
-<file path=ppt/slides/slide33.xml><?xml version="1.0" encoding="utf-8"?>
+<file path=ppt/slides/slide38.xml><?xml version="1.0" encoding="utf-8"?>
 <p:sld xmlns:a="http://schemas.openxmlformats.org/drawingml/2006/main" xmlns:r="http://schemas.openxmlformats.org/officeDocument/2006/relationships" xmlns:p="http://schemas.openxmlformats.org/presentationml/2006/main">
   <p:cSld>
     <p:spTree>
